--- a/Boot Camp Project 1.pptx
+++ b/Boot Camp Project 1.pptx
@@ -20,23 +20,25 @@
     <p:sldId id="265" r:id="rId16"/>
     <p:sldId id="266" r:id="rId17"/>
     <p:sldId id="267" r:id="rId18"/>
+    <p:sldId id="268" r:id="rId19"/>
+    <p:sldId id="269" r:id="rId20"/>
   </p:sldIdLst>
   <p:sldSz cy="5143500" cx="9144000"/>
   <p:notesSz cx="6858000" cy="9144000"/>
   <p:embeddedFontLst>
     <p:embeddedFont>
       <p:font typeface="Montserrat"/>
-      <p:regular r:id="rId19"/>
-      <p:bold r:id="rId20"/>
-      <p:italic r:id="rId21"/>
-      <p:boldItalic r:id="rId22"/>
+      <p:regular r:id="rId21"/>
+      <p:bold r:id="rId22"/>
+      <p:italic r:id="rId23"/>
+      <p:boldItalic r:id="rId24"/>
     </p:embeddedFont>
     <p:embeddedFont>
       <p:font typeface="Lato"/>
-      <p:regular r:id="rId23"/>
-      <p:bold r:id="rId24"/>
-      <p:italic r:id="rId25"/>
-      <p:boldItalic r:id="rId26"/>
+      <p:regular r:id="rId25"/>
+      <p:bold r:id="rId26"/>
+      <p:italic r:id="rId27"/>
+      <p:boldItalic r:id="rId28"/>
     </p:embeddedFont>
   </p:embeddedFontLst>
   <p:defaultTextStyle>
@@ -817,7 +819,7 @@
   <p:cSld>
     <p:spTree>
       <p:nvGrpSpPr>
-        <p:cNvPr id="227" name="Shape 227"/>
+        <p:cNvPr id="230" name="Shape 230"/>
         <p:cNvGrpSpPr/>
         <p:nvPr/>
       </p:nvGrpSpPr>
@@ -831,7 +833,7 @@
       </p:grpSpPr>
       <p:sp>
         <p:nvSpPr>
-          <p:cNvPr id="228" name="Google Shape;228;g2447c53617f_0_14:notes"/>
+          <p:cNvPr id="231" name="Google Shape;231;g2447c53617f_0_14:notes"/>
           <p:cNvSpPr/>
           <p:nvPr>
             <p:ph idx="2" type="sldImg"/>
@@ -866,7 +868,7 @@
       </p:sp>
       <p:sp>
         <p:nvSpPr>
-          <p:cNvPr id="229" name="Google Shape;229;g2447c53617f_0_14:notes"/>
+          <p:cNvPr id="232" name="Google Shape;232;g2447c53617f_0_14:notes"/>
           <p:cNvSpPr txBox="1"/>
           <p:nvPr>
             <p:ph idx="1" type="body"/>
@@ -916,7 +918,7 @@
   <p:cSld>
     <p:spTree>
       <p:nvGrpSpPr>
-        <p:cNvPr id="235" name="Shape 235"/>
+        <p:cNvPr id="238" name="Shape 238"/>
         <p:cNvGrpSpPr/>
         <p:nvPr/>
       </p:nvGrpSpPr>
@@ -930,7 +932,7 @@
       </p:grpSpPr>
       <p:sp>
         <p:nvSpPr>
-          <p:cNvPr id="236" name="Google Shape;236;g2241261c12b_1_139:notes"/>
+          <p:cNvPr id="239" name="Google Shape;239;g2241261c12b_1_139:notes"/>
           <p:cNvSpPr/>
           <p:nvPr>
             <p:ph idx="2" type="sldImg"/>
@@ -965,7 +967,7 @@
       </p:sp>
       <p:sp>
         <p:nvSpPr>
-          <p:cNvPr id="237" name="Google Shape;237;g2241261c12b_1_139:notes"/>
+          <p:cNvPr id="240" name="Google Shape;240;g2241261c12b_1_139:notes"/>
           <p:cNvSpPr txBox="1"/>
           <p:nvPr>
             <p:ph idx="1" type="body"/>
@@ -1015,7 +1017,7 @@
   <p:cSld>
     <p:spTree>
       <p:nvGrpSpPr>
-        <p:cNvPr id="244" name="Shape 244"/>
+        <p:cNvPr id="247" name="Shape 247"/>
         <p:cNvGrpSpPr/>
         <p:nvPr/>
       </p:nvGrpSpPr>
@@ -1029,7 +1031,7 @@
       </p:grpSpPr>
       <p:sp>
         <p:nvSpPr>
-          <p:cNvPr id="245" name="Google Shape;245;g2241261c12b_1_151:notes"/>
+          <p:cNvPr id="248" name="Google Shape;248;g2241261c12b_1_151:notes"/>
           <p:cNvSpPr/>
           <p:nvPr>
             <p:ph idx="2" type="sldImg"/>
@@ -1064,7 +1066,205 @@
       </p:sp>
       <p:sp>
         <p:nvSpPr>
-          <p:cNvPr id="246" name="Google Shape;246;g2241261c12b_1_151:notes"/>
+          <p:cNvPr id="249" name="Google Shape;249;g2241261c12b_1_151:notes"/>
+          <p:cNvSpPr txBox="1"/>
+          <p:nvPr>
+            <p:ph idx="1" type="body"/>
+          </p:nvPr>
+        </p:nvSpPr>
+        <p:spPr>
+          <a:xfrm>
+            <a:off x="685800" y="4343400"/>
+            <a:ext cx="5486400" cy="4114800"/>
+          </a:xfrm>
+          <a:prstGeom prst="rect">
+            <a:avLst/>
+          </a:prstGeom>
+        </p:spPr>
+        <p:txBody>
+          <a:bodyPr anchorCtr="0" anchor="t" bIns="91425" lIns="91425" spcFirstLastPara="1" rIns="91425" wrap="square" tIns="91425">
+            <a:noAutofit/>
+          </a:bodyPr>
+          <a:lstStyle/>
+          <a:p>
+            <a:pPr indent="0" lvl="0" marL="0" rtl="0" algn="l">
+              <a:spcBef>
+                <a:spcPts val="0"/>
+              </a:spcBef>
+              <a:spcAft>
+                <a:spcPts val="0"/>
+              </a:spcAft>
+              <a:buNone/>
+            </a:pPr>
+            <a:r>
+              <a:t/>
+            </a:r>
+            <a:endParaRPr/>
+          </a:p>
+        </p:txBody>
+      </p:sp>
+    </p:spTree>
+  </p:cSld>
+  <p:clrMapOvr>
+    <a:masterClrMapping/>
+  </p:clrMapOvr>
+</p:notes>
+</file>
+
+<file path=ppt/notesSlides/notesSlide13.xml><?xml version="1.0" encoding="utf-8"?>
+<p:notes xmlns:a="http://schemas.openxmlformats.org/drawingml/2006/main" xmlns:r="http://schemas.openxmlformats.org/officeDocument/2006/relationships" xmlns:mc="http://schemas.openxmlformats.org/markup-compatibility/2006" xmlns:mv="urn:schemas-microsoft-com:mac:vml" xmlns:p="http://schemas.openxmlformats.org/presentationml/2006/main" xmlns:c="http://schemas.openxmlformats.org/drawingml/2006/chart" xmlns:dgm="http://schemas.openxmlformats.org/drawingml/2006/diagram" xmlns:o="urn:schemas-microsoft-com:office:office" xmlns:v="urn:schemas-microsoft-com:vml" xmlns:pvml="urn:schemas-microsoft-com:office:powerpoint" xmlns:com="http://schemas.openxmlformats.org/drawingml/2006/compatibility" xmlns:p14="http://schemas.microsoft.com/office/powerpoint/2010/main" xmlns:p15="http://schemas.microsoft.com/office/powerpoint/2012/main" xmlns:ahyp="http://schemas.microsoft.com/office/drawing/2018/hyperlinkcolor" showMasterPhAnim="0" showMasterSp="0">
+  <p:cSld>
+    <p:spTree>
+      <p:nvGrpSpPr>
+        <p:cNvPr id="257" name="Shape 257"/>
+        <p:cNvGrpSpPr/>
+        <p:nvPr/>
+      </p:nvGrpSpPr>
+      <p:grpSpPr>
+        <a:xfrm>
+          <a:off x="0" y="0"/>
+          <a:ext cx="0" cy="0"/>
+          <a:chOff x="0" y="0"/>
+          <a:chExt cx="0" cy="0"/>
+        </a:xfrm>
+      </p:grpSpPr>
+      <p:sp>
+        <p:nvSpPr>
+          <p:cNvPr id="258" name="Google Shape;258;g245a0edccb3_1_0:notes"/>
+          <p:cNvSpPr/>
+          <p:nvPr>
+            <p:ph idx="2" type="sldImg"/>
+          </p:nvPr>
+        </p:nvSpPr>
+        <p:spPr>
+          <a:xfrm>
+            <a:off x="381300" y="685800"/>
+            <a:ext cx="6096000" cy="3429000"/>
+          </a:xfrm>
+          <a:custGeom>
+            <a:rect b="b" l="l" r="r" t="t"/>
+            <a:pathLst>
+              <a:path extrusionOk="0" h="120000" w="120000">
+                <a:moveTo>
+                  <a:pt x="0" y="0"/>
+                </a:moveTo>
+                <a:lnTo>
+                  <a:pt x="120000" y="0"/>
+                </a:lnTo>
+                <a:lnTo>
+                  <a:pt x="120000" y="120000"/>
+                </a:lnTo>
+                <a:lnTo>
+                  <a:pt x="0" y="120000"/>
+                </a:lnTo>
+                <a:close/>
+              </a:path>
+            </a:pathLst>
+          </a:custGeom>
+        </p:spPr>
+      </p:sp>
+      <p:sp>
+        <p:nvSpPr>
+          <p:cNvPr id="259" name="Google Shape;259;g245a0edccb3_1_0:notes"/>
+          <p:cNvSpPr txBox="1"/>
+          <p:nvPr>
+            <p:ph idx="1" type="body"/>
+          </p:nvPr>
+        </p:nvSpPr>
+        <p:spPr>
+          <a:xfrm>
+            <a:off x="685800" y="4343400"/>
+            <a:ext cx="5486400" cy="4114800"/>
+          </a:xfrm>
+          <a:prstGeom prst="rect">
+            <a:avLst/>
+          </a:prstGeom>
+        </p:spPr>
+        <p:txBody>
+          <a:bodyPr anchorCtr="0" anchor="t" bIns="91425" lIns="91425" spcFirstLastPara="1" rIns="91425" wrap="square" tIns="91425">
+            <a:noAutofit/>
+          </a:bodyPr>
+          <a:lstStyle/>
+          <a:p>
+            <a:pPr indent="0" lvl="0" marL="0" rtl="0" algn="l">
+              <a:spcBef>
+                <a:spcPts val="0"/>
+              </a:spcBef>
+              <a:spcAft>
+                <a:spcPts val="0"/>
+              </a:spcAft>
+              <a:buNone/>
+            </a:pPr>
+            <a:r>
+              <a:t/>
+            </a:r>
+            <a:endParaRPr/>
+          </a:p>
+        </p:txBody>
+      </p:sp>
+    </p:spTree>
+  </p:cSld>
+  <p:clrMapOvr>
+    <a:masterClrMapping/>
+  </p:clrMapOvr>
+</p:notes>
+</file>
+
+<file path=ppt/notesSlides/notesSlide14.xml><?xml version="1.0" encoding="utf-8"?>
+<p:notes xmlns:a="http://schemas.openxmlformats.org/drawingml/2006/main" xmlns:r="http://schemas.openxmlformats.org/officeDocument/2006/relationships" xmlns:mc="http://schemas.openxmlformats.org/markup-compatibility/2006" xmlns:mv="urn:schemas-microsoft-com:mac:vml" xmlns:p="http://schemas.openxmlformats.org/presentationml/2006/main" xmlns:c="http://schemas.openxmlformats.org/drawingml/2006/chart" xmlns:dgm="http://schemas.openxmlformats.org/drawingml/2006/diagram" xmlns:o="urn:schemas-microsoft-com:office:office" xmlns:v="urn:schemas-microsoft-com:vml" xmlns:pvml="urn:schemas-microsoft-com:office:powerpoint" xmlns:com="http://schemas.openxmlformats.org/drawingml/2006/compatibility" xmlns:p14="http://schemas.microsoft.com/office/powerpoint/2010/main" xmlns:p15="http://schemas.microsoft.com/office/powerpoint/2012/main" xmlns:ahyp="http://schemas.microsoft.com/office/drawing/2018/hyperlinkcolor" showMasterPhAnim="0" showMasterSp="0">
+  <p:cSld>
+    <p:spTree>
+      <p:nvGrpSpPr>
+        <p:cNvPr id="264" name="Shape 264"/>
+        <p:cNvGrpSpPr/>
+        <p:nvPr/>
+      </p:nvGrpSpPr>
+      <p:grpSpPr>
+        <a:xfrm>
+          <a:off x="0" y="0"/>
+          <a:ext cx="0" cy="0"/>
+          <a:chOff x="0" y="0"/>
+          <a:chExt cx="0" cy="0"/>
+        </a:xfrm>
+      </p:grpSpPr>
+      <p:sp>
+        <p:nvSpPr>
+          <p:cNvPr id="265" name="Google Shape;265;g224ae726854_0_6:notes"/>
+          <p:cNvSpPr/>
+          <p:nvPr>
+            <p:ph idx="2" type="sldImg"/>
+          </p:nvPr>
+        </p:nvSpPr>
+        <p:spPr>
+          <a:xfrm>
+            <a:off x="381300" y="685800"/>
+            <a:ext cx="6096000" cy="3429000"/>
+          </a:xfrm>
+          <a:custGeom>
+            <a:rect b="b" l="l" r="r" t="t"/>
+            <a:pathLst>
+              <a:path extrusionOk="0" h="120000" w="120000">
+                <a:moveTo>
+                  <a:pt x="0" y="0"/>
+                </a:moveTo>
+                <a:lnTo>
+                  <a:pt x="120000" y="0"/>
+                </a:lnTo>
+                <a:lnTo>
+                  <a:pt x="120000" y="120000"/>
+                </a:lnTo>
+                <a:lnTo>
+                  <a:pt x="0" y="120000"/>
+                </a:lnTo>
+                <a:close/>
+              </a:path>
+            </a:pathLst>
+          </a:custGeom>
+        </p:spPr>
+      </p:sp>
+      <p:sp>
+        <p:nvSpPr>
+          <p:cNvPr id="266" name="Google Shape;266;g224ae726854_0_6:notes"/>
           <p:cNvSpPr txBox="1"/>
           <p:nvPr>
             <p:ph idx="1" type="body"/>
@@ -1510,7 +1710,7 @@
   <p:cSld>
     <p:spTree>
       <p:nvGrpSpPr>
-        <p:cNvPr id="186" name="Shape 186"/>
+        <p:cNvPr id="184" name="Shape 184"/>
         <p:cNvGrpSpPr/>
         <p:nvPr/>
       </p:nvGrpSpPr>
@@ -1524,7 +1724,7 @@
       </p:grpSpPr>
       <p:sp>
         <p:nvSpPr>
-          <p:cNvPr id="187" name="Google Shape;187;g222fd0eca0d_0_34:notes"/>
+          <p:cNvPr id="185" name="Google Shape;185;g222fd0eca0d_0_34:notes"/>
           <p:cNvSpPr/>
           <p:nvPr>
             <p:ph idx="2" type="sldImg"/>
@@ -1559,7 +1759,7 @@
       </p:sp>
       <p:sp>
         <p:nvSpPr>
-          <p:cNvPr id="188" name="Google Shape;188;g222fd0eca0d_0_34:notes"/>
+          <p:cNvPr id="186" name="Google Shape;186;g222fd0eca0d_0_34:notes"/>
           <p:cNvSpPr txBox="1"/>
           <p:nvPr>
             <p:ph idx="1" type="body"/>
@@ -1609,7 +1809,7 @@
   <p:cSld>
     <p:spTree>
       <p:nvGrpSpPr>
-        <p:cNvPr id="201" name="Shape 201"/>
+        <p:cNvPr id="199" name="Shape 199"/>
         <p:cNvGrpSpPr/>
         <p:nvPr/>
       </p:nvGrpSpPr>
@@ -1623,7 +1823,7 @@
       </p:grpSpPr>
       <p:sp>
         <p:nvSpPr>
-          <p:cNvPr id="202" name="Google Shape;202;g222fd0eca0d_0_91:notes"/>
+          <p:cNvPr id="200" name="Google Shape;200;g222fd0eca0d_0_91:notes"/>
           <p:cNvSpPr/>
           <p:nvPr>
             <p:ph idx="2" type="sldImg"/>
@@ -1658,7 +1858,7 @@
       </p:sp>
       <p:sp>
         <p:nvSpPr>
-          <p:cNvPr id="203" name="Google Shape;203;g222fd0eca0d_0_91:notes"/>
+          <p:cNvPr id="201" name="Google Shape;201;g222fd0eca0d_0_91:notes"/>
           <p:cNvSpPr txBox="1"/>
           <p:nvPr>
             <p:ph idx="1" type="body"/>
@@ -1708,7 +1908,7 @@
   <p:cSld>
     <p:spTree>
       <p:nvGrpSpPr>
-        <p:cNvPr id="213" name="Shape 213"/>
+        <p:cNvPr id="216" name="Shape 216"/>
         <p:cNvGrpSpPr/>
         <p:nvPr/>
       </p:nvGrpSpPr>
@@ -1722,7 +1922,7 @@
       </p:grpSpPr>
       <p:sp>
         <p:nvSpPr>
-          <p:cNvPr id="214" name="Google Shape;214;g2447c53617f_0_0:notes"/>
+          <p:cNvPr id="217" name="Google Shape;217;g2447c53617f_0_0:notes"/>
           <p:cNvSpPr/>
           <p:nvPr>
             <p:ph idx="2" type="sldImg"/>
@@ -1757,7 +1957,7 @@
       </p:sp>
       <p:sp>
         <p:nvSpPr>
-          <p:cNvPr id="215" name="Google Shape;215;g2447c53617f_0_0:notes"/>
+          <p:cNvPr id="218" name="Google Shape;218;g2447c53617f_0_0:notes"/>
           <p:cNvSpPr txBox="1"/>
           <p:nvPr>
             <p:ph idx="1" type="body"/>
@@ -1807,7 +2007,7 @@
   <p:cSld>
     <p:spTree>
       <p:nvGrpSpPr>
-        <p:cNvPr id="220" name="Shape 220"/>
+        <p:cNvPr id="223" name="Shape 223"/>
         <p:cNvGrpSpPr/>
         <p:nvPr/>
       </p:nvGrpSpPr>
@@ -1821,7 +2021,7 @@
       </p:grpSpPr>
       <p:sp>
         <p:nvSpPr>
-          <p:cNvPr id="221" name="Google Shape;221;g2447c53617f_0_7:notes"/>
+          <p:cNvPr id="224" name="Google Shape;224;g2447c53617f_0_7:notes"/>
           <p:cNvSpPr/>
           <p:nvPr>
             <p:ph idx="2" type="sldImg"/>
@@ -1856,7 +2056,7 @@
       </p:sp>
       <p:sp>
         <p:nvSpPr>
-          <p:cNvPr id="222" name="Google Shape;222;g2447c53617f_0_7:notes"/>
+          <p:cNvPr id="225" name="Google Shape;225;g2447c53617f_0_7:notes"/>
           <p:cNvSpPr txBox="1"/>
           <p:nvPr>
             <p:ph idx="1" type="body"/>
@@ -10308,7 +10508,7 @@
                 <a:cs typeface="Lato"/>
                 <a:sym typeface="Lato"/>
               </a:rPr>
-              <a:t>Datasets to be used:</a:t>
+              <a:t>Datasets to be used: (Kaggle)</a:t>
             </a:r>
             <a:r>
               <a:rPr lang="es" sz="1425">
@@ -10358,7 +10558,7 @@
   <p:cSld>
     <p:spTree>
       <p:nvGrpSpPr>
-        <p:cNvPr id="230" name="Shape 230"/>
+        <p:cNvPr id="233" name="Shape 233"/>
         <p:cNvGrpSpPr/>
         <p:nvPr/>
       </p:nvGrpSpPr>
@@ -10372,7 +10572,7 @@
       </p:grpSpPr>
       <p:sp>
         <p:nvSpPr>
-          <p:cNvPr id="231" name="Google Shape;231;p22"/>
+          <p:cNvPr id="234" name="Google Shape;234;p22"/>
           <p:cNvSpPr txBox="1"/>
           <p:nvPr>
             <p:ph type="title"/>
@@ -10441,7 +10641,7 @@
       </p:sp>
       <p:pic>
         <p:nvPicPr>
-          <p:cNvPr id="232" name="Google Shape;232;p22"/>
+          <p:cNvPr id="235" name="Google Shape;235;p22"/>
           <p:cNvPicPr preferRelativeResize="0"/>
           <p:nvPr/>
         </p:nvPicPr>
@@ -10469,7 +10669,7 @@
       </p:pic>
       <p:pic>
         <p:nvPicPr>
-          <p:cNvPr id="233" name="Google Shape;233;p22"/>
+          <p:cNvPr id="236" name="Google Shape;236;p22"/>
           <p:cNvPicPr preferRelativeResize="0"/>
           <p:nvPr/>
         </p:nvPicPr>
@@ -10497,7 +10697,7 @@
       </p:pic>
       <p:sp>
         <p:nvSpPr>
-          <p:cNvPr id="234" name="Google Shape;234;p22"/>
+          <p:cNvPr id="237" name="Google Shape;237;p22"/>
           <p:cNvSpPr txBox="1"/>
           <p:nvPr/>
         </p:nvSpPr>
@@ -10562,7 +10762,7 @@
   <p:cSld>
     <p:spTree>
       <p:nvGrpSpPr>
-        <p:cNvPr id="238" name="Shape 238"/>
+        <p:cNvPr id="241" name="Shape 241"/>
         <p:cNvGrpSpPr/>
         <p:nvPr/>
       </p:nvGrpSpPr>
@@ -10576,7 +10776,7 @@
       </p:grpSpPr>
       <p:sp>
         <p:nvSpPr>
-          <p:cNvPr id="239" name="Google Shape;239;p23"/>
+          <p:cNvPr id="242" name="Google Shape;242;p23"/>
           <p:cNvSpPr txBox="1"/>
           <p:nvPr>
             <p:ph type="title"/>
@@ -10616,7 +10816,7 @@
       </p:sp>
       <p:sp>
         <p:nvSpPr>
-          <p:cNvPr id="240" name="Google Shape;240;p23"/>
+          <p:cNvPr id="243" name="Google Shape;243;p23"/>
           <p:cNvSpPr txBox="1"/>
           <p:nvPr/>
         </p:nvSpPr>
@@ -10674,7 +10874,7 @@
       </p:sp>
       <p:pic>
         <p:nvPicPr>
-          <p:cNvPr id="241" name="Google Shape;241;p23"/>
+          <p:cNvPr id="244" name="Google Shape;244;p23"/>
           <p:cNvPicPr preferRelativeResize="0"/>
           <p:nvPr/>
         </p:nvPicPr>
@@ -10701,7 +10901,7 @@
       </p:pic>
       <p:pic>
         <p:nvPicPr>
-          <p:cNvPr id="242" name="Google Shape;242;p23"/>
+          <p:cNvPr id="245" name="Google Shape;245;p23"/>
           <p:cNvPicPr preferRelativeResize="0"/>
           <p:nvPr/>
         </p:nvPicPr>
@@ -10729,7 +10929,7 @@
       </p:pic>
       <p:sp>
         <p:nvSpPr>
-          <p:cNvPr id="243" name="Google Shape;243;p23"/>
+          <p:cNvPr id="246" name="Google Shape;246;p23"/>
           <p:cNvSpPr txBox="1"/>
           <p:nvPr/>
         </p:nvSpPr>
@@ -10846,7 +11046,7 @@
   <p:cSld>
     <p:spTree>
       <p:nvGrpSpPr>
-        <p:cNvPr id="247" name="Shape 247"/>
+        <p:cNvPr id="250" name="Shape 250"/>
         <p:cNvGrpSpPr/>
         <p:nvPr/>
       </p:nvGrpSpPr>
@@ -10860,7 +11060,7 @@
       </p:grpSpPr>
       <p:sp>
         <p:nvSpPr>
-          <p:cNvPr id="248" name="Google Shape;248;p24"/>
+          <p:cNvPr id="251" name="Google Shape;251;p24"/>
           <p:cNvSpPr txBox="1"/>
           <p:nvPr>
             <p:ph type="title"/>
@@ -10900,7 +11100,7 @@
       </p:sp>
       <p:pic>
         <p:nvPicPr>
-          <p:cNvPr id="249" name="Google Shape;249;p24"/>
+          <p:cNvPr id="252" name="Google Shape;252;p24"/>
           <p:cNvPicPr preferRelativeResize="0"/>
           <p:nvPr/>
         </p:nvPicPr>
@@ -10927,7 +11127,7 @@
       </p:pic>
       <p:pic>
         <p:nvPicPr>
-          <p:cNvPr id="250" name="Google Shape;250;p24"/>
+          <p:cNvPr id="253" name="Google Shape;253;p24"/>
           <p:cNvPicPr preferRelativeResize="0"/>
           <p:nvPr/>
         </p:nvPicPr>
@@ -10955,7 +11155,7 @@
       </p:pic>
       <p:sp>
         <p:nvSpPr>
-          <p:cNvPr id="251" name="Google Shape;251;p24"/>
+          <p:cNvPr id="254" name="Google Shape;254;p24"/>
           <p:cNvSpPr txBox="1"/>
           <p:nvPr/>
         </p:nvSpPr>
@@ -11025,7 +11225,7 @@
       </p:sp>
       <p:sp>
         <p:nvSpPr>
-          <p:cNvPr id="252" name="Google Shape;252;p24"/>
+          <p:cNvPr id="255" name="Google Shape;255;p24"/>
           <p:cNvSpPr txBox="1"/>
           <p:nvPr/>
         </p:nvSpPr>
@@ -11083,7 +11283,7 @@
       </p:sp>
       <p:pic>
         <p:nvPicPr>
-          <p:cNvPr id="253" name="Google Shape;253;p24"/>
+          <p:cNvPr id="256" name="Google Shape;256;p24"/>
           <p:cNvPicPr preferRelativeResize="0"/>
           <p:nvPr/>
         </p:nvPicPr>
@@ -11109,6 +11309,265 @@
           </a:ln>
         </p:spPr>
       </p:pic>
+    </p:spTree>
+  </p:cSld>
+  <p:clrMapOvr>
+    <a:masterClrMapping/>
+  </p:clrMapOvr>
+</p:sld>
+</file>
+
+<file path=ppt/slides/slide13.xml><?xml version="1.0" encoding="utf-8"?>
+<p:sld xmlns:a="http://schemas.openxmlformats.org/drawingml/2006/main" xmlns:r="http://schemas.openxmlformats.org/officeDocument/2006/relationships" xmlns:mc="http://schemas.openxmlformats.org/markup-compatibility/2006" xmlns:mv="urn:schemas-microsoft-com:mac:vml" xmlns:p="http://schemas.openxmlformats.org/presentationml/2006/main" xmlns:c="http://schemas.openxmlformats.org/drawingml/2006/chart" xmlns:dgm="http://schemas.openxmlformats.org/drawingml/2006/diagram" xmlns:o="urn:schemas-microsoft-com:office:office" xmlns:v="urn:schemas-microsoft-com:vml" xmlns:pvml="urn:schemas-microsoft-com:office:powerpoint" xmlns:com="http://schemas.openxmlformats.org/drawingml/2006/compatibility" xmlns:p14="http://schemas.microsoft.com/office/powerpoint/2010/main" xmlns:p15="http://schemas.microsoft.com/office/powerpoint/2012/main" xmlns:ahyp="http://schemas.microsoft.com/office/drawing/2018/hyperlinkcolor">
+  <p:cSld>
+    <p:spTree>
+      <p:nvGrpSpPr>
+        <p:cNvPr id="260" name="Shape 260"/>
+        <p:cNvGrpSpPr/>
+        <p:nvPr/>
+      </p:nvGrpSpPr>
+      <p:grpSpPr>
+        <a:xfrm>
+          <a:off x="0" y="0"/>
+          <a:ext cx="0" cy="0"/>
+          <a:chOff x="0" y="0"/>
+          <a:chExt cx="0" cy="0"/>
+        </a:xfrm>
+      </p:grpSpPr>
+      <p:sp>
+        <p:nvSpPr>
+          <p:cNvPr id="261" name="Google Shape;261;p25"/>
+          <p:cNvSpPr txBox="1"/>
+          <p:nvPr>
+            <p:ph type="title"/>
+          </p:nvPr>
+        </p:nvSpPr>
+        <p:spPr>
+          <a:xfrm>
+            <a:off x="1297500" y="393750"/>
+            <a:ext cx="7038900" cy="914100"/>
+          </a:xfrm>
+          <a:prstGeom prst="rect">
+            <a:avLst/>
+          </a:prstGeom>
+        </p:spPr>
+        <p:txBody>
+          <a:bodyPr anchorCtr="0" anchor="t" bIns="91425" lIns="91425" spcFirstLastPara="1" rIns="91425" wrap="square" tIns="91425">
+            <a:normAutofit/>
+          </a:bodyPr>
+          <a:lstStyle/>
+          <a:p>
+            <a:pPr indent="0" lvl="0" marL="0" rtl="0" algn="l">
+              <a:spcBef>
+                <a:spcPts val="0"/>
+              </a:spcBef>
+              <a:spcAft>
+                <a:spcPts val="0"/>
+              </a:spcAft>
+              <a:buNone/>
+            </a:pPr>
+            <a:r>
+              <a:rPr lang="es"/>
+              <a:t>Conclusion</a:t>
+            </a:r>
+            <a:endParaRPr/>
+          </a:p>
+        </p:txBody>
+      </p:sp>
+      <p:sp>
+        <p:nvSpPr>
+          <p:cNvPr id="262" name="Google Shape;262;p25"/>
+          <p:cNvSpPr txBox="1"/>
+          <p:nvPr/>
+        </p:nvSpPr>
+        <p:spPr>
+          <a:xfrm>
+            <a:off x="1241525" y="1608250"/>
+            <a:ext cx="2172300" cy="1046700"/>
+          </a:xfrm>
+          <a:prstGeom prst="rect">
+            <a:avLst/>
+          </a:prstGeom>
+          <a:noFill/>
+          <a:ln>
+            <a:noFill/>
+          </a:ln>
+        </p:spPr>
+        <p:txBody>
+          <a:bodyPr anchorCtr="0" anchor="t" bIns="91425" lIns="91425" spcFirstLastPara="1" rIns="91425" wrap="square" tIns="91425">
+            <a:spAutoFit/>
+          </a:bodyPr>
+          <a:lstStyle/>
+          <a:p>
+            <a:pPr indent="0" lvl="0" marL="0" rtl="0" algn="l">
+              <a:spcBef>
+                <a:spcPts val="0"/>
+              </a:spcBef>
+              <a:spcAft>
+                <a:spcPts val="0"/>
+              </a:spcAft>
+              <a:buNone/>
+            </a:pPr>
+            <a:r>
+              <a:rPr lang="es">
+                <a:solidFill>
+                  <a:schemeClr val="lt1"/>
+                </a:solidFill>
+                <a:latin typeface="Lato"/>
+                <a:ea typeface="Lato"/>
+                <a:cs typeface="Lato"/>
+                <a:sym typeface="Lato"/>
+              </a:rPr>
+              <a:t>Age, hypertension, heart disease and glucose levels were found to be predictors for stroke.</a:t>
+            </a:r>
+            <a:endParaRPr>
+              <a:solidFill>
+                <a:schemeClr val="lt1"/>
+              </a:solidFill>
+              <a:latin typeface="Lato"/>
+              <a:ea typeface="Lato"/>
+              <a:cs typeface="Lato"/>
+              <a:sym typeface="Lato"/>
+            </a:endParaRPr>
+          </a:p>
+        </p:txBody>
+      </p:sp>
+      <p:pic>
+        <p:nvPicPr>
+          <p:cNvPr id="263" name="Google Shape;263;p25"/>
+          <p:cNvPicPr preferRelativeResize="0"/>
+          <p:nvPr/>
+        </p:nvPicPr>
+        <p:blipFill>
+          <a:blip r:embed="rId3">
+            <a:alphaModFix/>
+          </a:blip>
+          <a:stretch>
+            <a:fillRect/>
+          </a:stretch>
+        </p:blipFill>
+        <p:spPr>
+          <a:xfrm>
+            <a:off x="3797000" y="1458850"/>
+            <a:ext cx="3967104" cy="2695700"/>
+          </a:xfrm>
+          <a:prstGeom prst="rect">
+            <a:avLst/>
+          </a:prstGeom>
+          <a:noFill/>
+          <a:ln>
+            <a:noFill/>
+          </a:ln>
+        </p:spPr>
+      </p:pic>
+    </p:spTree>
+  </p:cSld>
+  <p:clrMapOvr>
+    <a:masterClrMapping/>
+  </p:clrMapOvr>
+</p:sld>
+</file>
+
+<file path=ppt/slides/slide14.xml><?xml version="1.0" encoding="utf-8"?>
+<p:sld xmlns:a="http://schemas.openxmlformats.org/drawingml/2006/main" xmlns:r="http://schemas.openxmlformats.org/officeDocument/2006/relationships" xmlns:mc="http://schemas.openxmlformats.org/markup-compatibility/2006" xmlns:mv="urn:schemas-microsoft-com:mac:vml" xmlns:p="http://schemas.openxmlformats.org/presentationml/2006/main" xmlns:c="http://schemas.openxmlformats.org/drawingml/2006/chart" xmlns:dgm="http://schemas.openxmlformats.org/drawingml/2006/diagram" xmlns:o="urn:schemas-microsoft-com:office:office" xmlns:v="urn:schemas-microsoft-com:vml" xmlns:pvml="urn:schemas-microsoft-com:office:powerpoint" xmlns:com="http://schemas.openxmlformats.org/drawingml/2006/compatibility" xmlns:p14="http://schemas.microsoft.com/office/powerpoint/2010/main" xmlns:p15="http://schemas.microsoft.com/office/powerpoint/2012/main" xmlns:ahyp="http://schemas.microsoft.com/office/drawing/2018/hyperlinkcolor">
+  <p:cSld>
+    <p:spTree>
+      <p:nvGrpSpPr>
+        <p:cNvPr id="267" name="Shape 267"/>
+        <p:cNvGrpSpPr/>
+        <p:nvPr/>
+      </p:nvGrpSpPr>
+      <p:grpSpPr>
+        <a:xfrm>
+          <a:off x="0" y="0"/>
+          <a:ext cx="0" cy="0"/>
+          <a:chOff x="0" y="0"/>
+          <a:chExt cx="0" cy="0"/>
+        </a:xfrm>
+      </p:grpSpPr>
+      <p:sp>
+        <p:nvSpPr>
+          <p:cNvPr id="268" name="Google Shape;268;p26"/>
+          <p:cNvSpPr txBox="1"/>
+          <p:nvPr>
+            <p:ph type="ctrTitle"/>
+          </p:nvPr>
+        </p:nvSpPr>
+        <p:spPr>
+          <a:xfrm>
+            <a:off x="3537150" y="1174050"/>
+            <a:ext cx="5017500" cy="1983300"/>
+          </a:xfrm>
+          <a:prstGeom prst="rect">
+            <a:avLst/>
+          </a:prstGeom>
+        </p:spPr>
+        <p:txBody>
+          <a:bodyPr anchorCtr="0" anchor="t" bIns="91425" lIns="91425" spcFirstLastPara="1" rIns="91425" wrap="square" tIns="91425">
+            <a:normAutofit/>
+          </a:bodyPr>
+          <a:lstStyle/>
+          <a:p>
+            <a:pPr indent="0" lvl="0" marL="0" rtl="0" algn="l">
+              <a:spcBef>
+                <a:spcPts val="0"/>
+              </a:spcBef>
+              <a:spcAft>
+                <a:spcPts val="0"/>
+              </a:spcAft>
+              <a:buNone/>
+            </a:pPr>
+            <a:r>
+              <a:rPr lang="es"/>
+              <a:t>Thank you!</a:t>
+            </a:r>
+            <a:endParaRPr/>
+          </a:p>
+        </p:txBody>
+      </p:sp>
+      <p:sp>
+        <p:nvSpPr>
+          <p:cNvPr id="269" name="Google Shape;269;p26"/>
+          <p:cNvSpPr txBox="1"/>
+          <p:nvPr>
+            <p:ph idx="1" type="subTitle"/>
+          </p:nvPr>
+        </p:nvSpPr>
+        <p:spPr>
+          <a:xfrm>
+            <a:off x="5083950" y="3326500"/>
+            <a:ext cx="3470700" cy="1104600"/>
+          </a:xfrm>
+          <a:prstGeom prst="rect">
+            <a:avLst/>
+          </a:prstGeom>
+        </p:spPr>
+        <p:txBody>
+          <a:bodyPr anchorCtr="0" anchor="t" bIns="91425" lIns="91425" spcFirstLastPara="1" rIns="91425" wrap="square" tIns="91425">
+            <a:normAutofit/>
+          </a:bodyPr>
+          <a:lstStyle/>
+          <a:p>
+            <a:pPr indent="0" lvl="0" marL="0" rtl="0" algn="l">
+              <a:lnSpc>
+                <a:spcPct val="95000"/>
+              </a:lnSpc>
+              <a:spcBef>
+                <a:spcPts val="0"/>
+              </a:spcBef>
+              <a:spcAft>
+                <a:spcPts val="1200"/>
+              </a:spcAft>
+              <a:buNone/>
+            </a:pPr>
+            <a:r>
+              <a:rPr lang="es" sz="2300"/>
+              <a:t>Questions?</a:t>
+            </a:r>
+            <a:endParaRPr sz="2300"/>
+          </a:p>
+        </p:txBody>
+      </p:sp>
     </p:spTree>
   </p:cSld>
   <p:clrMapOvr>
@@ -11677,13 +12136,29 @@
         </p:spPr>
         <p:txBody>
           <a:bodyPr anchorCtr="0" anchor="t" bIns="91425" lIns="91425" spcFirstLastPara="1" rIns="91425" wrap="square" tIns="91425">
-            <a:normAutofit/>
+            <a:normAutofit lnSpcReduction="20000"/>
           </a:bodyPr>
           <a:lstStyle/>
           <a:p>
             <a:pPr indent="0" lvl="0" marL="0" rtl="0" algn="l">
               <a:spcBef>
                 <a:spcPts val="0"/>
+              </a:spcBef>
+              <a:spcAft>
+                <a:spcPts val="0"/>
+              </a:spcAft>
+              <a:buNone/>
+            </a:pPr>
+            <a:r>
+              <a:rPr lang="es"/>
+              <a:t>Sample from Electronic Health Record (EHR) controlled by McKinsey &amp; Company</a:t>
+            </a:r>
+            <a:endParaRPr/>
+          </a:p>
+          <a:p>
+            <a:pPr indent="0" lvl="0" marL="0" rtl="0" algn="l">
+              <a:spcBef>
+                <a:spcPts val="1200"/>
               </a:spcBef>
               <a:spcAft>
                 <a:spcPts val="0"/>
@@ -11871,7 +12346,7 @@
             <a:tbl>
               <a:tblPr>
                 <a:noFill/>
-                <a:tableStyleId>{A855EFA8-DFBD-449A-99D6-F22AB7E6C543}</a:tableStyleId>
+                <a:tableStyleId>{5976F21C-4AD5-4174-A5E6-0DA4DDA5CCB6}</a:tableStyleId>
               </a:tblPr>
               <a:tblGrid>
                 <a:gridCol w="680225"/>
@@ -12377,37 +12852,9 @@
           </a:ln>
         </p:spPr>
       </p:pic>
-      <p:pic>
-        <p:nvPicPr>
-          <p:cNvPr id="170" name="Google Shape;170;p17"/>
-          <p:cNvPicPr preferRelativeResize="0"/>
-          <p:nvPr/>
-        </p:nvPicPr>
-        <p:blipFill>
-          <a:blip r:embed="rId8">
-            <a:alphaModFix/>
-          </a:blip>
-          <a:stretch>
-            <a:fillRect/>
-          </a:stretch>
-        </p:blipFill>
-        <p:spPr>
-          <a:xfrm>
-            <a:off x="4926834" y="3081000"/>
-            <a:ext cx="2108666" cy="1777972"/>
-          </a:xfrm>
-          <a:prstGeom prst="rect">
-            <a:avLst/>
-          </a:prstGeom>
-          <a:noFill/>
-          <a:ln>
-            <a:noFill/>
-          </a:ln>
-        </p:spPr>
-      </p:pic>
       <p:sp>
         <p:nvSpPr>
-          <p:cNvPr id="171" name="Google Shape;171;p17"/>
+          <p:cNvPr id="170" name="Google Shape;170;p17"/>
           <p:cNvSpPr txBox="1"/>
           <p:nvPr/>
         </p:nvSpPr>
@@ -12457,7 +12904,7 @@
       </p:sp>
       <p:sp>
         <p:nvSpPr>
-          <p:cNvPr id="172" name="Google Shape;172;p17"/>
+          <p:cNvPr id="171" name="Google Shape;171;p17"/>
           <p:cNvSpPr txBox="1"/>
           <p:nvPr/>
         </p:nvSpPr>
@@ -12507,57 +12954,7 @@
       </p:sp>
       <p:sp>
         <p:nvSpPr>
-          <p:cNvPr id="173" name="Google Shape;173;p17"/>
-          <p:cNvSpPr txBox="1"/>
-          <p:nvPr/>
-        </p:nvSpPr>
-        <p:spPr>
-          <a:xfrm>
-            <a:off x="5095500" y="2768975"/>
-            <a:ext cx="1427400" cy="338700"/>
-          </a:xfrm>
-          <a:prstGeom prst="rect">
-            <a:avLst/>
-          </a:prstGeom>
-          <a:noFill/>
-          <a:ln>
-            <a:noFill/>
-          </a:ln>
-        </p:spPr>
-        <p:txBody>
-          <a:bodyPr anchorCtr="0" anchor="ctr" bIns="91425" lIns="91425" spcFirstLastPara="1" rIns="91425" wrap="square" tIns="91425">
-            <a:noAutofit/>
-          </a:bodyPr>
-          <a:lstStyle/>
-          <a:p>
-            <a:pPr indent="0" lvl="0" marL="0" rtl="0" algn="ctr">
-              <a:spcBef>
-                <a:spcPts val="0"/>
-              </a:spcBef>
-              <a:spcAft>
-                <a:spcPts val="0"/>
-              </a:spcAft>
-              <a:buNone/>
-            </a:pPr>
-            <a:r>
-              <a:rPr b="1" lang="es" sz="1000">
-                <a:solidFill>
-                  <a:schemeClr val="lt1"/>
-                </a:solidFill>
-              </a:rPr>
-              <a:t>Ever Married</a:t>
-            </a:r>
-            <a:endParaRPr b="1" sz="1000">
-              <a:solidFill>
-                <a:schemeClr val="lt1"/>
-              </a:solidFill>
-            </a:endParaRPr>
-          </a:p>
-        </p:txBody>
-      </p:sp>
-      <p:sp>
-        <p:nvSpPr>
-          <p:cNvPr id="174" name="Google Shape;174;p17"/>
+          <p:cNvPr id="172" name="Google Shape;172;p17"/>
           <p:cNvSpPr txBox="1"/>
           <p:nvPr/>
         </p:nvSpPr>
@@ -12607,7 +13004,7 @@
       </p:sp>
       <p:sp>
         <p:nvSpPr>
-          <p:cNvPr id="175" name="Google Shape;175;p17"/>
+          <p:cNvPr id="173" name="Google Shape;173;p17"/>
           <p:cNvSpPr txBox="1"/>
           <p:nvPr/>
         </p:nvSpPr>
@@ -12657,7 +13054,7 @@
       </p:sp>
       <p:sp>
         <p:nvSpPr>
-          <p:cNvPr id="176" name="Google Shape;176;p17"/>
+          <p:cNvPr id="174" name="Google Shape;174;p17"/>
           <p:cNvSpPr txBox="1"/>
           <p:nvPr/>
         </p:nvSpPr>
@@ -12712,12 +13109,12 @@
       </p:sp>
       <p:graphicFrame>
         <p:nvGraphicFramePr>
-          <p:cNvPr id="177" name="Google Shape;177;p17"/>
+          <p:cNvPr id="175" name="Google Shape;175;p17"/>
           <p:cNvGraphicFramePr/>
           <p:nvPr/>
         </p:nvGraphicFramePr>
         <p:xfrm>
-          <a:off x="7111700" y="3134257"/>
+          <a:off x="4907738" y="3430332"/>
           <a:ext cx="3000000" cy="3000000"/>
         </p:xfrm>
         <a:graphic>
@@ -12725,7 +13122,7 @@
             <a:tbl>
               <a:tblPr>
                 <a:noFill/>
-                <a:tableStyleId>{A855EFA8-DFBD-449A-99D6-F22AB7E6C543}</a:tableStyleId>
+                <a:tableStyleId>{5976F21C-4AD5-4174-A5E6-0DA4DDA5CCB6}</a:tableStyleId>
               </a:tblPr>
               <a:tblGrid>
                 <a:gridCol w="778325"/>
@@ -12762,7 +13159,11 @@
                       </a:endParaRPr>
                     </a:p>
                   </a:txBody>
-                  <a:tcPr marT="91425" marB="91425" marR="91425" marL="91425" anchor="ctr"/>
+                  <a:tcPr marT="91425" marB="91425" marR="91425" marL="91425" anchor="ctr">
+                    <a:solidFill>
+                      <a:schemeClr val="accent1"/>
+                    </a:solidFill>
+                  </a:tcPr>
                 </a:tc>
                 <a:tc>
                   <a:txBody>
@@ -12793,7 +13194,11 @@
                       </a:endParaRPr>
                     </a:p>
                   </a:txBody>
-                  <a:tcPr marT="91425" marB="91425" marR="91425" marL="91425" anchor="ctr"/>
+                  <a:tcPr marT="91425" marB="91425" marR="91425" marL="91425" anchor="ctr">
+                    <a:solidFill>
+                      <a:schemeClr val="accent1"/>
+                    </a:solidFill>
+                  </a:tcPr>
                 </a:tc>
                 <a:tc>
                   <a:txBody>
@@ -12824,7 +13229,11 @@
                       </a:endParaRPr>
                     </a:p>
                   </a:txBody>
-                  <a:tcPr marT="91425" marB="91425" marR="91425" marL="91425" anchor="ctr"/>
+                  <a:tcPr marT="91425" marB="91425" marR="91425" marL="91425" anchor="ctr">
+                    <a:solidFill>
+                      <a:schemeClr val="accent1"/>
+                    </a:solidFill>
+                  </a:tcPr>
                 </a:tc>
               </a:tr>
               <a:tr h="154225">
@@ -12845,19 +13254,23 @@
                       <a:r>
                         <a:rPr lang="es" sz="900">
                           <a:solidFill>
-                            <a:schemeClr val="lt1"/>
+                            <a:schemeClr val="dk1"/>
                           </a:solidFill>
                         </a:rPr>
                         <a:t>BMI</a:t>
                       </a:r>
                       <a:endParaRPr sz="900">
                         <a:solidFill>
-                          <a:schemeClr val="lt1"/>
+                          <a:schemeClr val="dk1"/>
                         </a:solidFill>
                       </a:endParaRPr>
                     </a:p>
                   </a:txBody>
-                  <a:tcPr marT="91425" marB="91425" marR="91425" marL="91425" anchor="ctr"/>
+                  <a:tcPr marT="91425" marB="91425" marR="91425" marL="91425" anchor="ctr">
+                    <a:solidFill>
+                      <a:schemeClr val="lt1"/>
+                    </a:solidFill>
+                  </a:tcPr>
                 </a:tc>
                 <a:tc>
                   <a:txBody>
@@ -12876,19 +13289,23 @@
                       <a:r>
                         <a:rPr lang="es" sz="900">
                           <a:solidFill>
-                            <a:schemeClr val="lt1"/>
+                            <a:schemeClr val="dk1"/>
                           </a:solidFill>
                         </a:rPr>
                         <a:t>30.5</a:t>
                       </a:r>
                       <a:endParaRPr sz="900">
                         <a:solidFill>
-                          <a:schemeClr val="lt1"/>
+                          <a:schemeClr val="dk1"/>
                         </a:solidFill>
                       </a:endParaRPr>
                     </a:p>
                   </a:txBody>
-                  <a:tcPr marT="91425" marB="91425" marR="91425" marL="91425" anchor="ctr"/>
+                  <a:tcPr marT="91425" marB="91425" marR="91425" marL="91425" anchor="ctr">
+                    <a:solidFill>
+                      <a:schemeClr val="lt1"/>
+                    </a:solidFill>
+                  </a:tcPr>
                 </a:tc>
                 <a:tc>
                   <a:txBody>
@@ -12907,19 +13324,23 @@
                       <a:r>
                         <a:rPr lang="es" sz="900">
                           <a:solidFill>
-                            <a:schemeClr val="lt1"/>
+                            <a:schemeClr val="dk1"/>
                           </a:solidFill>
                         </a:rPr>
                         <a:t>28.8</a:t>
                       </a:r>
                       <a:endParaRPr sz="900">
                         <a:solidFill>
-                          <a:schemeClr val="lt1"/>
+                          <a:schemeClr val="dk1"/>
                         </a:solidFill>
                       </a:endParaRPr>
                     </a:p>
                   </a:txBody>
-                  <a:tcPr marT="91425" marB="91425" marR="91425" marL="91425" anchor="ctr"/>
+                  <a:tcPr marT="91425" marB="91425" marR="91425" marL="91425" anchor="ctr">
+                    <a:solidFill>
+                      <a:schemeClr val="lt1"/>
+                    </a:solidFill>
+                  </a:tcPr>
                 </a:tc>
               </a:tr>
               <a:tr h="173050">
@@ -12940,19 +13361,23 @@
                       <a:r>
                         <a:rPr lang="es" sz="900">
                           <a:solidFill>
-                            <a:schemeClr val="lt1"/>
+                            <a:schemeClr val="dk1"/>
                           </a:solidFill>
                         </a:rPr>
                         <a:t>Glucose</a:t>
                       </a:r>
                       <a:endParaRPr sz="900">
                         <a:solidFill>
-                          <a:schemeClr val="lt1"/>
+                          <a:schemeClr val="dk1"/>
                         </a:solidFill>
                       </a:endParaRPr>
                     </a:p>
                   </a:txBody>
-                  <a:tcPr marT="91425" marB="91425" marR="91425" marL="91425" anchor="ctr"/>
+                  <a:tcPr marT="91425" marB="91425" marR="91425" marL="91425" anchor="ctr">
+                    <a:solidFill>
+                      <a:schemeClr val="lt1"/>
+                    </a:solidFill>
+                  </a:tcPr>
                 </a:tc>
                 <a:tc>
                   <a:txBody>
@@ -12971,19 +13396,23 @@
                       <a:r>
                         <a:rPr lang="es" sz="900">
                           <a:solidFill>
-                            <a:schemeClr val="lt1"/>
+                            <a:schemeClr val="dk1"/>
                           </a:solidFill>
                         </a:rPr>
                         <a:t>134.5</a:t>
                       </a:r>
                       <a:endParaRPr sz="900">
                         <a:solidFill>
-                          <a:schemeClr val="lt1"/>
+                          <a:schemeClr val="dk1"/>
                         </a:solidFill>
                       </a:endParaRPr>
                     </a:p>
                   </a:txBody>
-                  <a:tcPr marT="91425" marB="91425" marR="91425" marL="91425" anchor="ctr"/>
+                  <a:tcPr marT="91425" marB="91425" marR="91425" marL="91425" anchor="ctr">
+                    <a:solidFill>
+                      <a:schemeClr val="lt1"/>
+                    </a:solidFill>
+                  </a:tcPr>
                 </a:tc>
                 <a:tc>
                   <a:txBody>
@@ -13002,19 +13431,23 @@
                       <a:r>
                         <a:rPr lang="es" sz="900">
                           <a:solidFill>
-                            <a:schemeClr val="lt1"/>
+                            <a:schemeClr val="dk1"/>
                           </a:solidFill>
                         </a:rPr>
                         <a:t>105.2</a:t>
                       </a:r>
                       <a:endParaRPr sz="900">
                         <a:solidFill>
-                          <a:schemeClr val="lt1"/>
+                          <a:schemeClr val="dk1"/>
                         </a:solidFill>
                       </a:endParaRPr>
                     </a:p>
                   </a:txBody>
-                  <a:tcPr marT="91425" marB="91425" marR="91425" marL="91425" anchor="ctr"/>
+                  <a:tcPr marT="91425" marB="91425" marR="91425" marL="91425" anchor="ctr">
+                    <a:solidFill>
+                      <a:schemeClr val="lt1"/>
+                    </a:solidFill>
+                  </a:tcPr>
                 </a:tc>
               </a:tr>
               <a:tr h="173050">
@@ -13035,19 +13468,23 @@
                       <a:r>
                         <a:rPr lang="es" sz="900">
                           <a:solidFill>
-                            <a:schemeClr val="lt1"/>
+                            <a:schemeClr val="dk1"/>
                           </a:solidFill>
                         </a:rPr>
                         <a:t>Age</a:t>
                       </a:r>
                       <a:endParaRPr sz="900">
                         <a:solidFill>
-                          <a:schemeClr val="lt1"/>
+                          <a:schemeClr val="dk1"/>
                         </a:solidFill>
                       </a:endParaRPr>
                     </a:p>
                   </a:txBody>
-                  <a:tcPr marT="91425" marB="91425" marR="91425" marL="91425" anchor="ctr"/>
+                  <a:tcPr marT="91425" marB="91425" marR="91425" marL="91425" anchor="ctr">
+                    <a:solidFill>
+                      <a:schemeClr val="lt1"/>
+                    </a:solidFill>
+                  </a:tcPr>
                 </a:tc>
                 <a:tc>
                   <a:txBody>
@@ -13066,19 +13503,23 @@
                       <a:r>
                         <a:rPr lang="es" sz="900">
                           <a:solidFill>
-                            <a:schemeClr val="lt1"/>
+                            <a:schemeClr val="dk1"/>
                           </a:solidFill>
                         </a:rPr>
                         <a:t>67.7</a:t>
                       </a:r>
                       <a:endParaRPr sz="900">
                         <a:solidFill>
-                          <a:schemeClr val="lt1"/>
+                          <a:schemeClr val="dk1"/>
                         </a:solidFill>
                       </a:endParaRPr>
                     </a:p>
                   </a:txBody>
-                  <a:tcPr marT="91425" marB="91425" marR="91425" marL="91425" anchor="ctr"/>
+                  <a:tcPr marT="91425" marB="91425" marR="91425" marL="91425" anchor="ctr">
+                    <a:solidFill>
+                      <a:schemeClr val="lt1"/>
+                    </a:solidFill>
+                  </a:tcPr>
                 </a:tc>
                 <a:tc>
                   <a:txBody>
@@ -13097,19 +13538,23 @@
                       <a:r>
                         <a:rPr lang="es" sz="900">
                           <a:solidFill>
-                            <a:schemeClr val="lt1"/>
+                            <a:schemeClr val="dk1"/>
                           </a:solidFill>
                         </a:rPr>
                         <a:t>42.8</a:t>
                       </a:r>
                       <a:endParaRPr sz="900">
                         <a:solidFill>
-                          <a:schemeClr val="lt1"/>
+                          <a:schemeClr val="dk1"/>
                         </a:solidFill>
                       </a:endParaRPr>
                     </a:p>
                   </a:txBody>
-                  <a:tcPr marT="91425" marB="91425" marR="91425" marL="91425" anchor="ctr"/>
+                  <a:tcPr marT="91425" marB="91425" marR="91425" marL="91425" anchor="ctr">
+                    <a:solidFill>
+                      <a:schemeClr val="lt1"/>
+                    </a:solidFill>
+                  </a:tcPr>
                 </a:tc>
               </a:tr>
             </a:tbl>
@@ -13118,14 +13563,14 @@
       </p:graphicFrame>
       <p:sp>
         <p:nvSpPr>
-          <p:cNvPr id="178" name="Google Shape;178;p17"/>
+          <p:cNvPr id="176" name="Google Shape;176;p17"/>
           <p:cNvSpPr txBox="1"/>
           <p:nvPr/>
         </p:nvSpPr>
         <p:spPr>
           <a:xfrm>
-            <a:off x="7205425" y="671525"/>
-            <a:ext cx="1959900" cy="2385900"/>
+            <a:off x="7188675" y="946500"/>
+            <a:ext cx="1959900" cy="2216400"/>
           </a:xfrm>
           <a:prstGeom prst="rect">
             <a:avLst/>
@@ -13267,34 +13712,6 @@
                   <a:schemeClr val="lt1"/>
                 </a:solidFill>
               </a:rPr>
-              <a:t>Married</a:t>
-            </a:r>
-            <a:endParaRPr sz="1100">
-              <a:solidFill>
-                <a:schemeClr val="lt1"/>
-              </a:solidFill>
-            </a:endParaRPr>
-          </a:p>
-          <a:p>
-            <a:pPr indent="-298450" lvl="0" marL="457200" rtl="0" algn="l">
-              <a:spcBef>
-                <a:spcPts val="0"/>
-              </a:spcBef>
-              <a:spcAft>
-                <a:spcPts val="0"/>
-              </a:spcAft>
-              <a:buClr>
-                <a:schemeClr val="lt1"/>
-              </a:buClr>
-              <a:buSzPts val="1100"/>
-              <a:buChar char="●"/>
-            </a:pPr>
-            <a:r>
-              <a:rPr lang="es" sz="1100">
-                <a:solidFill>
-                  <a:schemeClr val="lt1"/>
-                </a:solidFill>
-              </a:rPr>
               <a:t>Hypertension</a:t>
             </a:r>
             <a:endParaRPr sz="1100">
@@ -13434,7 +13851,7 @@
       </p:sp>
       <p:sp>
         <p:nvSpPr>
-          <p:cNvPr id="179" name="Google Shape;179;p17"/>
+          <p:cNvPr id="177" name="Google Shape;177;p17"/>
           <p:cNvSpPr/>
           <p:nvPr/>
         </p:nvSpPr>
@@ -13481,7 +13898,7 @@
       </p:sp>
       <p:sp>
         <p:nvSpPr>
-          <p:cNvPr id="180" name="Google Shape;180;p17"/>
+          <p:cNvPr id="178" name="Google Shape;178;p17"/>
           <p:cNvSpPr/>
           <p:nvPr/>
         </p:nvSpPr>
@@ -13528,54 +13945,7 @@
       </p:sp>
       <p:sp>
         <p:nvSpPr>
-          <p:cNvPr id="181" name="Google Shape;181;p17"/>
-          <p:cNvSpPr/>
-          <p:nvPr/>
-        </p:nvSpPr>
-        <p:spPr>
-          <a:xfrm>
-            <a:off x="5225425" y="3090387"/>
-            <a:ext cx="487200" cy="1155600"/>
-          </a:xfrm>
-          <a:prstGeom prst="ellipse">
-            <a:avLst/>
-          </a:prstGeom>
-          <a:noFill/>
-          <a:ln cap="flat" cmpd="sng" w="9525">
-            <a:solidFill>
-              <a:srgbClr val="FF0000"/>
-            </a:solidFill>
-            <a:prstDash val="solid"/>
-            <a:round/>
-            <a:headEnd len="sm" w="sm" type="none"/>
-            <a:tailEnd len="sm" w="sm" type="none"/>
-          </a:ln>
-        </p:spPr>
-        <p:txBody>
-          <a:bodyPr anchorCtr="0" anchor="ctr" bIns="91425" lIns="91425" spcFirstLastPara="1" rIns="91425" wrap="square" tIns="91425">
-            <a:noAutofit/>
-          </a:bodyPr>
-          <a:lstStyle/>
-          <a:p>
-            <a:pPr indent="0" lvl="0" marL="0" rtl="0" algn="l">
-              <a:spcBef>
-                <a:spcPts val="0"/>
-              </a:spcBef>
-              <a:spcAft>
-                <a:spcPts val="0"/>
-              </a:spcAft>
-              <a:buNone/>
-            </a:pPr>
-            <a:r>
-              <a:t/>
-            </a:r>
-            <a:endParaRPr/>
-          </a:p>
-        </p:txBody>
-      </p:sp>
-      <p:sp>
-        <p:nvSpPr>
-          <p:cNvPr id="182" name="Google Shape;182;p17"/>
+          <p:cNvPr id="179" name="Google Shape;179;p17"/>
           <p:cNvSpPr/>
           <p:nvPr/>
         </p:nvSpPr>
@@ -13622,7 +13992,7 @@
       </p:sp>
       <p:sp>
         <p:nvSpPr>
-          <p:cNvPr id="183" name="Google Shape;183;p17"/>
+          <p:cNvPr id="180" name="Google Shape;180;p17"/>
           <p:cNvSpPr/>
           <p:nvPr/>
         </p:nvSpPr>
@@ -13669,13 +14039,13 @@
       </p:sp>
       <p:sp>
         <p:nvSpPr>
-          <p:cNvPr id="184" name="Google Shape;184;p17"/>
+          <p:cNvPr id="181" name="Google Shape;181;p17"/>
           <p:cNvSpPr/>
           <p:nvPr/>
         </p:nvSpPr>
         <p:spPr>
           <a:xfrm>
-            <a:off x="7906350" y="3918502"/>
+            <a:off x="5702388" y="4214577"/>
             <a:ext cx="487200" cy="338700"/>
           </a:xfrm>
           <a:prstGeom prst="ellipse">
@@ -13716,13 +14086,13 @@
       </p:sp>
       <p:sp>
         <p:nvSpPr>
-          <p:cNvPr id="185" name="Google Shape;185;p17"/>
+          <p:cNvPr id="182" name="Google Shape;182;p17"/>
           <p:cNvSpPr/>
           <p:nvPr/>
         </p:nvSpPr>
         <p:spPr>
           <a:xfrm>
-            <a:off x="7906350" y="4223302"/>
+            <a:off x="5702388" y="4519377"/>
             <a:ext cx="487200" cy="338700"/>
           </a:xfrm>
           <a:prstGeom prst="ellipse">
@@ -13761,6 +14131,56 @@
           </a:p>
         </p:txBody>
       </p:sp>
+      <p:sp>
+        <p:nvSpPr>
+          <p:cNvPr id="183" name="Google Shape;183;p17"/>
+          <p:cNvSpPr txBox="1"/>
+          <p:nvPr/>
+        </p:nvSpPr>
+        <p:spPr>
+          <a:xfrm>
+            <a:off x="5171700" y="2921375"/>
+            <a:ext cx="1427400" cy="338700"/>
+          </a:xfrm>
+          <a:prstGeom prst="rect">
+            <a:avLst/>
+          </a:prstGeom>
+          <a:noFill/>
+          <a:ln>
+            <a:noFill/>
+          </a:ln>
+        </p:spPr>
+        <p:txBody>
+          <a:bodyPr anchorCtr="0" anchor="ctr" bIns="91425" lIns="91425" spcFirstLastPara="1" rIns="91425" wrap="square" tIns="91425">
+            <a:noAutofit/>
+          </a:bodyPr>
+          <a:lstStyle/>
+          <a:p>
+            <a:pPr indent="0" lvl="0" marL="0" rtl="0" algn="ctr">
+              <a:spcBef>
+                <a:spcPts val="0"/>
+              </a:spcBef>
+              <a:spcAft>
+                <a:spcPts val="0"/>
+              </a:spcAft>
+              <a:buNone/>
+            </a:pPr>
+            <a:r>
+              <a:rPr b="1" lang="es" sz="1000">
+                <a:solidFill>
+                  <a:schemeClr val="lt1"/>
+                </a:solidFill>
+              </a:rPr>
+              <a:t>Average for Numerical Data</a:t>
+            </a:r>
+            <a:endParaRPr b="1" sz="1000">
+              <a:solidFill>
+                <a:schemeClr val="lt1"/>
+              </a:solidFill>
+            </a:endParaRPr>
+          </a:p>
+        </p:txBody>
+      </p:sp>
     </p:spTree>
   </p:cSld>
   <p:clrMapOvr>
@@ -13774,7 +14194,7 @@
   <p:cSld>
     <p:spTree>
       <p:nvGrpSpPr>
-        <p:cNvPr id="189" name="Shape 189"/>
+        <p:cNvPr id="187" name="Shape 187"/>
         <p:cNvGrpSpPr/>
         <p:nvPr/>
       </p:nvGrpSpPr>
@@ -13788,7 +14208,7 @@
       </p:grpSpPr>
       <p:sp>
         <p:nvSpPr>
-          <p:cNvPr id="190" name="Google Shape;190;p18"/>
+          <p:cNvPr id="188" name="Google Shape;188;p18"/>
           <p:cNvSpPr txBox="1"/>
           <p:nvPr/>
         </p:nvSpPr>
@@ -13846,7 +14266,7 @@
       </p:sp>
       <p:pic>
         <p:nvPicPr>
-          <p:cNvPr id="191" name="Google Shape;191;p18"/>
+          <p:cNvPr id="189" name="Google Shape;189;p18"/>
           <p:cNvPicPr preferRelativeResize="0"/>
           <p:nvPr/>
         </p:nvPicPr>
@@ -13874,7 +14294,7 @@
       </p:pic>
       <p:pic>
         <p:nvPicPr>
-          <p:cNvPr id="192" name="Google Shape;192;p18"/>
+          <p:cNvPr id="190" name="Google Shape;190;p18"/>
           <p:cNvPicPr preferRelativeResize="0"/>
           <p:nvPr/>
         </p:nvPicPr>
@@ -13902,7 +14322,7 @@
       </p:pic>
       <p:sp>
         <p:nvSpPr>
-          <p:cNvPr id="193" name="Google Shape;193;p18"/>
+          <p:cNvPr id="191" name="Google Shape;191;p18"/>
           <p:cNvSpPr/>
           <p:nvPr/>
         </p:nvSpPr>
@@ -13949,7 +14369,7 @@
       </p:sp>
       <p:sp>
         <p:nvSpPr>
-          <p:cNvPr id="194" name="Google Shape;194;p18"/>
+          <p:cNvPr id="192" name="Google Shape;192;p18"/>
           <p:cNvSpPr/>
           <p:nvPr/>
         </p:nvSpPr>
@@ -13996,7 +14416,7 @@
       </p:sp>
       <p:sp>
         <p:nvSpPr>
-          <p:cNvPr id="195" name="Google Shape;195;p18"/>
+          <p:cNvPr id="193" name="Google Shape;193;p18"/>
           <p:cNvSpPr txBox="1"/>
           <p:nvPr/>
         </p:nvSpPr>
@@ -14046,7 +14466,7 @@
       </p:sp>
       <p:sp>
         <p:nvSpPr>
-          <p:cNvPr id="196" name="Google Shape;196;p18"/>
+          <p:cNvPr id="194" name="Google Shape;194;p18"/>
           <p:cNvSpPr txBox="1"/>
           <p:nvPr/>
         </p:nvSpPr>
@@ -14096,7 +14516,7 @@
       </p:sp>
       <p:sp>
         <p:nvSpPr>
-          <p:cNvPr id="197" name="Google Shape;197;p18"/>
+          <p:cNvPr id="195" name="Google Shape;195;p18"/>
           <p:cNvSpPr txBox="1"/>
           <p:nvPr/>
         </p:nvSpPr>
@@ -14197,7 +14617,7 @@
       </p:sp>
       <p:sp>
         <p:nvSpPr>
-          <p:cNvPr id="198" name="Google Shape;198;p18"/>
+          <p:cNvPr id="196" name="Google Shape;196;p18"/>
           <p:cNvSpPr txBox="1"/>
           <p:nvPr/>
         </p:nvSpPr>
@@ -14271,7 +14691,7 @@
       </p:sp>
       <p:sp>
         <p:nvSpPr>
-          <p:cNvPr id="199" name="Google Shape;199;p18"/>
+          <p:cNvPr id="197" name="Google Shape;197;p18"/>
           <p:cNvSpPr txBox="1"/>
           <p:nvPr/>
         </p:nvSpPr>
@@ -14361,7 +14781,7 @@
       </p:sp>
       <p:sp>
         <p:nvSpPr>
-          <p:cNvPr id="200" name="Google Shape;200;p18"/>
+          <p:cNvPr id="198" name="Google Shape;198;p18"/>
           <p:cNvSpPr txBox="1"/>
           <p:nvPr/>
         </p:nvSpPr>
@@ -14422,7 +14842,7 @@
   <p:cSld>
     <p:spTree>
       <p:nvGrpSpPr>
-        <p:cNvPr id="204" name="Shape 204"/>
+        <p:cNvPr id="202" name="Shape 202"/>
         <p:cNvGrpSpPr/>
         <p:nvPr/>
       </p:nvGrpSpPr>
@@ -14436,7 +14856,7 @@
       </p:grpSpPr>
       <p:sp>
         <p:nvSpPr>
-          <p:cNvPr id="205" name="Google Shape;205;p19"/>
+          <p:cNvPr id="203" name="Google Shape;203;p19"/>
           <p:cNvSpPr txBox="1"/>
           <p:nvPr/>
         </p:nvSpPr>
@@ -14486,12 +14906,12 @@
       </p:sp>
       <p:graphicFrame>
         <p:nvGraphicFramePr>
-          <p:cNvPr id="206" name="Google Shape;206;p19"/>
+          <p:cNvPr id="204" name="Google Shape;204;p19"/>
           <p:cNvGraphicFramePr/>
           <p:nvPr/>
         </p:nvGraphicFramePr>
         <p:xfrm>
-          <a:off x="146188" y="1533375"/>
+          <a:off x="118388" y="1533375"/>
           <a:ext cx="3000000" cy="3000000"/>
         </p:xfrm>
         <a:graphic>
@@ -14499,11 +14919,10 @@
             <a:tbl>
               <a:tblPr>
                 <a:noFill/>
-                <a:tableStyleId>{5891E7E7-BED5-49A8-A494-B06E1B6EDB45}</a:tableStyleId>
+                <a:tableStyleId>{E0571FE8-83C9-4708-A9FA-06A0251AF169}</a:tableStyleId>
               </a:tblPr>
               <a:tblGrid>
-                <a:gridCol w="467875"/>
-                <a:gridCol w="467875"/>
+                <a:gridCol w="876675"/>
                 <a:gridCol w="467875"/>
                 <a:gridCol w="467875"/>
                 <a:gridCol w="467875"/>
@@ -14781,107 +15200,6 @@
                           </a:solidFill>
                         </a:rPr>
                         <a:t>disease</a:t>
-                      </a:r>
-                      <a:endParaRPr sz="800">
-                        <a:solidFill>
-                          <a:schemeClr val="lt1"/>
-                        </a:solidFill>
-                      </a:endParaRPr>
-                    </a:p>
-                  </a:txBody>
-                  <a:tcPr marT="0" marB="0" marR="0" marL="0" anchor="ctr">
-                    <a:lnL cap="flat" cmpd="sng" w="9525">
-                      <a:solidFill>
-                        <a:srgbClr val="CCCCCC"/>
-                      </a:solidFill>
-                      <a:prstDash val="solid"/>
-                      <a:round/>
-                      <a:headEnd len="sm" w="sm" type="none"/>
-                      <a:tailEnd len="sm" w="sm" type="none"/>
-                    </a:lnL>
-                    <a:lnR cap="flat" cmpd="sng" w="9525">
-                      <a:solidFill>
-                        <a:srgbClr val="CCCCCC"/>
-                      </a:solidFill>
-                      <a:prstDash val="solid"/>
-                      <a:round/>
-                      <a:headEnd len="sm" w="sm" type="none"/>
-                      <a:tailEnd len="sm" w="sm" type="none"/>
-                    </a:lnR>
-                    <a:lnT cap="flat" cmpd="sng" w="9525">
-                      <a:solidFill>
-                        <a:srgbClr val="CCCCCC"/>
-                      </a:solidFill>
-                      <a:prstDash val="solid"/>
-                      <a:round/>
-                      <a:headEnd len="sm" w="sm" type="none"/>
-                      <a:tailEnd len="sm" w="sm" type="none"/>
-                    </a:lnT>
-                    <a:lnB cap="flat" cmpd="sng" w="9525">
-                      <a:solidFill>
-                        <a:srgbClr val="CCCCCC"/>
-                      </a:solidFill>
-                      <a:prstDash val="solid"/>
-                      <a:round/>
-                      <a:headEnd len="sm" w="sm" type="none"/>
-                      <a:tailEnd len="sm" w="sm" type="none"/>
-                    </a:lnB>
-                    <a:solidFill>
-                      <a:schemeClr val="accent1"/>
-                    </a:solidFill>
-                  </a:tcPr>
-                </a:tc>
-                <a:tc>
-                  <a:txBody>
-                    <a:bodyPr/>
-                    <a:lstStyle/>
-                    <a:p>
-                      <a:pPr indent="0" lvl="0" marL="0" rtl="0" algn="ctr">
-                        <a:lnSpc>
-                          <a:spcPct val="115000"/>
-                        </a:lnSpc>
-                        <a:spcBef>
-                          <a:spcPts val="0"/>
-                        </a:spcBef>
-                        <a:spcAft>
-                          <a:spcPts val="0"/>
-                        </a:spcAft>
-                        <a:buNone/>
-                      </a:pPr>
-                      <a:r>
-                        <a:rPr lang="es" sz="800">
-                          <a:solidFill>
-                            <a:schemeClr val="lt1"/>
-                          </a:solidFill>
-                        </a:rPr>
-                        <a:t>ever</a:t>
-                      </a:r>
-                      <a:endParaRPr sz="800">
-                        <a:solidFill>
-                          <a:schemeClr val="lt1"/>
-                        </a:solidFill>
-                      </a:endParaRPr>
-                    </a:p>
-                    <a:p>
-                      <a:pPr indent="0" lvl="0" marL="0" rtl="0" algn="ctr">
-                        <a:lnSpc>
-                          <a:spcPct val="115000"/>
-                        </a:lnSpc>
-                        <a:spcBef>
-                          <a:spcPts val="0"/>
-                        </a:spcBef>
-                        <a:spcAft>
-                          <a:spcPts val="0"/>
-                        </a:spcAft>
-                        <a:buNone/>
-                      </a:pPr>
-                      <a:r>
-                        <a:rPr lang="es" sz="800">
-                          <a:solidFill>
-                            <a:schemeClr val="lt1"/>
-                          </a:solidFill>
-                        </a:rPr>
-                        <a:t>married</a:t>
                       </a:r>
                       <a:endParaRPr sz="800">
                         <a:solidFill>
@@ -16055,9 +16373,17 @@
                             <a:schemeClr val="lt1"/>
                           </a:solidFill>
                         </a:rPr>
-                        <a:t>Cluster 1</a:t>
+                        <a:t>Cluster </a:t>
                       </a:r>
-                      <a:endParaRPr sz="1000">
+                      <a:r>
+                        <a:rPr lang="es" sz="1800">
+                          <a:solidFill>
+                            <a:schemeClr val="lt1"/>
+                          </a:solidFill>
+                        </a:rPr>
+                        <a:t>1</a:t>
+                      </a:r>
+                      <a:endParaRPr sz="1800">
                         <a:solidFill>
                           <a:schemeClr val="lt1"/>
                         </a:solidFill>
@@ -16348,80 +16674,6 @@
                             <a:schemeClr val="dk1"/>
                           </a:solidFill>
                         </a:rPr>
-                        <a:t>0.95</a:t>
-                      </a:r>
-                      <a:endParaRPr sz="1000">
-                        <a:solidFill>
-                          <a:schemeClr val="dk1"/>
-                        </a:solidFill>
-                      </a:endParaRPr>
-                    </a:p>
-                  </a:txBody>
-                  <a:tcPr marT="0" marB="0" marR="0" marL="0" anchor="ctr">
-                    <a:lnL cap="flat" cmpd="sng" w="9525">
-                      <a:solidFill>
-                        <a:srgbClr val="CCCCCC"/>
-                      </a:solidFill>
-                      <a:prstDash val="solid"/>
-                      <a:round/>
-                      <a:headEnd len="sm" w="sm" type="none"/>
-                      <a:tailEnd len="sm" w="sm" type="none"/>
-                    </a:lnL>
-                    <a:lnR cap="flat" cmpd="sng" w="9525">
-                      <a:solidFill>
-                        <a:srgbClr val="CCCCCC"/>
-                      </a:solidFill>
-                      <a:prstDash val="solid"/>
-                      <a:round/>
-                      <a:headEnd len="sm" w="sm" type="none"/>
-                      <a:tailEnd len="sm" w="sm" type="none"/>
-                    </a:lnR>
-                    <a:lnT cap="flat" cmpd="sng" w="9525">
-                      <a:solidFill>
-                        <a:srgbClr val="CCCCCC"/>
-                      </a:solidFill>
-                      <a:prstDash val="solid"/>
-                      <a:round/>
-                      <a:headEnd len="sm" w="sm" type="none"/>
-                      <a:tailEnd len="sm" w="sm" type="none"/>
-                    </a:lnT>
-                    <a:lnB cap="flat" cmpd="sng" w="9525">
-                      <a:solidFill>
-                        <a:srgbClr val="CCCCCC"/>
-                      </a:solidFill>
-                      <a:prstDash val="solid"/>
-                      <a:round/>
-                      <a:headEnd len="sm" w="sm" type="none"/>
-                      <a:tailEnd len="sm" w="sm" type="none"/>
-                    </a:lnB>
-                    <a:solidFill>
-                      <a:srgbClr val="F4CCCC"/>
-                    </a:solidFill>
-                  </a:tcPr>
-                </a:tc>
-                <a:tc>
-                  <a:txBody>
-                    <a:bodyPr/>
-                    <a:lstStyle/>
-                    <a:p>
-                      <a:pPr indent="0" lvl="0" marL="0" rtl="0" algn="ctr">
-                        <a:lnSpc>
-                          <a:spcPct val="115000"/>
-                        </a:lnSpc>
-                        <a:spcBef>
-                          <a:spcPts val="0"/>
-                        </a:spcBef>
-                        <a:spcAft>
-                          <a:spcPts val="0"/>
-                        </a:spcAft>
-                        <a:buNone/>
-                      </a:pPr>
-                      <a:r>
-                        <a:rPr lang="es" sz="1000">
-                          <a:solidFill>
-                            <a:schemeClr val="dk1"/>
-                          </a:solidFill>
-                        </a:rPr>
                         <a:t>210.69</a:t>
                       </a:r>
                       <a:endParaRPr sz="1000">
@@ -17252,6 +17504,9 @@
                       <a:headEnd len="sm" w="sm" type="none"/>
                       <a:tailEnd len="sm" w="sm" type="none"/>
                     </a:lnB>
+                    <a:solidFill>
+                      <a:srgbClr val="0B5394"/>
+                    </a:solidFill>
                   </a:tcPr>
                 </a:tc>
                 <a:tc>
@@ -17429,9 +17684,17 @@
                             <a:schemeClr val="lt1"/>
                           </a:solidFill>
                         </a:rPr>
-                        <a:t>Cluster 2</a:t>
+                        <a:t>Cluster </a:t>
                       </a:r>
-                      <a:endParaRPr sz="1000">
+                      <a:r>
+                        <a:rPr lang="es" sz="1800">
+                          <a:solidFill>
+                            <a:schemeClr val="lt1"/>
+                          </a:solidFill>
+                        </a:rPr>
+                        <a:t>2</a:t>
+                      </a:r>
+                      <a:endParaRPr sz="1800">
                         <a:solidFill>
                           <a:schemeClr val="lt1"/>
                         </a:solidFill>
@@ -17719,80 +17982,6 @@
                       <a:r>
                         <a:rPr lang="es" sz="1000">
                           <a:solidFill>
-                            <a:schemeClr val="dk1"/>
-                          </a:solidFill>
-                        </a:rPr>
-                        <a:t>0.86</a:t>
-                      </a:r>
-                      <a:endParaRPr sz="1000">
-                        <a:solidFill>
-                          <a:schemeClr val="dk1"/>
-                        </a:solidFill>
-                      </a:endParaRPr>
-                    </a:p>
-                  </a:txBody>
-                  <a:tcPr marT="0" marB="0" marR="0" marL="0" anchor="ctr">
-                    <a:lnL cap="flat" cmpd="sng" w="9525">
-                      <a:solidFill>
-                        <a:srgbClr val="CCCCCC"/>
-                      </a:solidFill>
-                      <a:prstDash val="solid"/>
-                      <a:round/>
-                      <a:headEnd len="sm" w="sm" type="none"/>
-                      <a:tailEnd len="sm" w="sm" type="none"/>
-                    </a:lnL>
-                    <a:lnR cap="flat" cmpd="sng" w="9525">
-                      <a:solidFill>
-                        <a:srgbClr val="CCCCCC"/>
-                      </a:solidFill>
-                      <a:prstDash val="solid"/>
-                      <a:round/>
-                      <a:headEnd len="sm" w="sm" type="none"/>
-                      <a:tailEnd len="sm" w="sm" type="none"/>
-                    </a:lnR>
-                    <a:lnT cap="flat" cmpd="sng" w="9525">
-                      <a:solidFill>
-                        <a:srgbClr val="CCCCCC"/>
-                      </a:solidFill>
-                      <a:prstDash val="solid"/>
-                      <a:round/>
-                      <a:headEnd len="sm" w="sm" type="none"/>
-                      <a:tailEnd len="sm" w="sm" type="none"/>
-                    </a:lnT>
-                    <a:lnB cap="flat" cmpd="sng" w="9525">
-                      <a:solidFill>
-                        <a:srgbClr val="CCCCCC"/>
-                      </a:solidFill>
-                      <a:prstDash val="solid"/>
-                      <a:round/>
-                      <a:headEnd len="sm" w="sm" type="none"/>
-                      <a:tailEnd len="sm" w="sm" type="none"/>
-                    </a:lnB>
-                    <a:solidFill>
-                      <a:srgbClr val="F4CCCC"/>
-                    </a:solidFill>
-                  </a:tcPr>
-                </a:tc>
-                <a:tc>
-                  <a:txBody>
-                    <a:bodyPr/>
-                    <a:lstStyle/>
-                    <a:p>
-                      <a:pPr indent="0" lvl="0" marL="0" rtl="0" algn="ctr">
-                        <a:lnSpc>
-                          <a:spcPct val="115000"/>
-                        </a:lnSpc>
-                        <a:spcBef>
-                          <a:spcPts val="0"/>
-                        </a:spcBef>
-                        <a:spcAft>
-                          <a:spcPts val="0"/>
-                        </a:spcAft>
-                        <a:buNone/>
-                      </a:pPr>
-                      <a:r>
-                        <a:rPr lang="es" sz="1000">
-                          <a:solidFill>
                             <a:schemeClr val="lt1"/>
                           </a:solidFill>
                         </a:rPr>
@@ -18623,6 +18812,9 @@
                       <a:headEnd len="sm" w="sm" type="none"/>
                       <a:tailEnd len="sm" w="sm" type="none"/>
                     </a:lnB>
+                    <a:solidFill>
+                      <a:srgbClr val="0B5394"/>
+                    </a:solidFill>
                   </a:tcPr>
                 </a:tc>
                 <a:tc>
@@ -19076,77 +19268,6 @@
                             <a:schemeClr val="lt1"/>
                           </a:solidFill>
                         </a:rPr>
-                        <a:t>0.64</a:t>
-                      </a:r>
-                      <a:endParaRPr sz="1000">
-                        <a:solidFill>
-                          <a:schemeClr val="lt1"/>
-                        </a:solidFill>
-                      </a:endParaRPr>
-                    </a:p>
-                  </a:txBody>
-                  <a:tcPr marT="0" marB="0" marR="0" marL="0" anchor="ctr">
-                    <a:lnL cap="flat" cmpd="sng" w="9525">
-                      <a:solidFill>
-                        <a:srgbClr val="CCCCCC"/>
-                      </a:solidFill>
-                      <a:prstDash val="solid"/>
-                      <a:round/>
-                      <a:headEnd len="sm" w="sm" type="none"/>
-                      <a:tailEnd len="sm" w="sm" type="none"/>
-                    </a:lnL>
-                    <a:lnR cap="flat" cmpd="sng" w="9525">
-                      <a:solidFill>
-                        <a:srgbClr val="CCCCCC"/>
-                      </a:solidFill>
-                      <a:prstDash val="solid"/>
-                      <a:round/>
-                      <a:headEnd len="sm" w="sm" type="none"/>
-                      <a:tailEnd len="sm" w="sm" type="none"/>
-                    </a:lnR>
-                    <a:lnT cap="flat" cmpd="sng" w="9525">
-                      <a:solidFill>
-                        <a:srgbClr val="CCCCCC"/>
-                      </a:solidFill>
-                      <a:prstDash val="solid"/>
-                      <a:round/>
-                      <a:headEnd len="sm" w="sm" type="none"/>
-                      <a:tailEnd len="sm" w="sm" type="none"/>
-                    </a:lnT>
-                    <a:lnB cap="flat" cmpd="sng" w="9525">
-                      <a:solidFill>
-                        <a:srgbClr val="CCCCCC"/>
-                      </a:solidFill>
-                      <a:prstDash val="solid"/>
-                      <a:round/>
-                      <a:headEnd len="sm" w="sm" type="none"/>
-                      <a:tailEnd len="sm" w="sm" type="none"/>
-                    </a:lnB>
-                  </a:tcPr>
-                </a:tc>
-                <a:tc>
-                  <a:txBody>
-                    <a:bodyPr/>
-                    <a:lstStyle/>
-                    <a:p>
-                      <a:pPr indent="0" lvl="0" marL="0" rtl="0" algn="ctr">
-                        <a:lnSpc>
-                          <a:spcPct val="115000"/>
-                        </a:lnSpc>
-                        <a:spcBef>
-                          <a:spcPts val="0"/>
-                        </a:spcBef>
-                        <a:spcAft>
-                          <a:spcPts val="0"/>
-                        </a:spcAft>
-                        <a:buNone/>
-                      </a:pPr>
-                      <a:r>
-                        <a:rPr lang="es" sz="1000">
-                          <a:solidFill>
-                            <a:schemeClr val="lt1"/>
-                          </a:solidFill>
-                        </a:rPr>
                         <a:t>104.0</a:t>
                       </a:r>
                       <a:endParaRPr sz="1000">
@@ -20125,13 +20246,13 @@
       </p:graphicFrame>
       <p:sp>
         <p:nvSpPr>
-          <p:cNvPr id="207" name="Google Shape;207;p19"/>
+          <p:cNvPr id="205" name="Google Shape;205;p19"/>
           <p:cNvSpPr/>
           <p:nvPr/>
         </p:nvSpPr>
         <p:spPr>
           <a:xfrm>
-            <a:off x="3421450" y="1185379"/>
+            <a:off x="3346675" y="1181310"/>
             <a:ext cx="1846800" cy="271800"/>
           </a:xfrm>
           <a:prstGeom prst="rect">
@@ -20175,13 +20296,13 @@
       </p:sp>
       <p:sp>
         <p:nvSpPr>
-          <p:cNvPr id="208" name="Google Shape;208;p19"/>
+          <p:cNvPr id="206" name="Google Shape;206;p19"/>
           <p:cNvSpPr/>
           <p:nvPr/>
         </p:nvSpPr>
         <p:spPr>
           <a:xfrm>
-            <a:off x="5312020" y="1185379"/>
+            <a:off x="5235820" y="1185379"/>
             <a:ext cx="888600" cy="271800"/>
           </a:xfrm>
           <a:prstGeom prst="rect">
@@ -20225,13 +20346,13 @@
       </p:sp>
       <p:sp>
         <p:nvSpPr>
-          <p:cNvPr id="209" name="Google Shape;209;p19"/>
+          <p:cNvPr id="207" name="Google Shape;207;p19"/>
           <p:cNvSpPr/>
           <p:nvPr/>
         </p:nvSpPr>
         <p:spPr>
           <a:xfrm>
-            <a:off x="6242982" y="1185379"/>
+            <a:off x="6166782" y="1185379"/>
             <a:ext cx="888600" cy="271800"/>
           </a:xfrm>
           <a:prstGeom prst="rect">
@@ -20275,13 +20396,13 @@
       </p:sp>
       <p:sp>
         <p:nvSpPr>
-          <p:cNvPr id="210" name="Google Shape;210;p19"/>
+          <p:cNvPr id="208" name="Google Shape;208;p19"/>
           <p:cNvSpPr/>
           <p:nvPr/>
         </p:nvSpPr>
         <p:spPr>
           <a:xfrm>
-            <a:off x="7168700" y="1185379"/>
+            <a:off x="7092500" y="1185379"/>
             <a:ext cx="1846800" cy="271800"/>
           </a:xfrm>
           <a:prstGeom prst="rect">
@@ -20325,13 +20446,13 @@
       </p:sp>
       <p:sp>
         <p:nvSpPr>
-          <p:cNvPr id="211" name="Google Shape;211;p19"/>
+          <p:cNvPr id="209" name="Google Shape;209;p19"/>
           <p:cNvSpPr txBox="1"/>
           <p:nvPr/>
         </p:nvSpPr>
         <p:spPr>
           <a:xfrm>
-            <a:off x="118400" y="3961075"/>
+            <a:off x="118400" y="4084119"/>
             <a:ext cx="8889600" cy="1046700"/>
           </a:xfrm>
           <a:prstGeom prst="rect">
@@ -20387,7 +20508,7 @@
                   <a:schemeClr val="lt1"/>
                 </a:solidFill>
               </a:rPr>
-              <a:t> hypertension and / or heart dis ease,married with glucose level around 210 showed more </a:t>
+              <a:t> hypertension and / or heart disease, with glucose level around 210 showed more </a:t>
             </a:r>
             <a:r>
               <a:rPr lang="es">
@@ -20458,7 +20579,7 @@
       </p:sp>
       <p:sp>
         <p:nvSpPr>
-          <p:cNvPr id="212" name="Google Shape;212;p19"/>
+          <p:cNvPr id="210" name="Google Shape;210;p19"/>
           <p:cNvSpPr txBox="1"/>
           <p:nvPr/>
         </p:nvSpPr>
@@ -20514,6 +20635,270 @@
           </a:p>
         </p:txBody>
       </p:sp>
+      <p:sp>
+        <p:nvSpPr>
+          <p:cNvPr id="211" name="Google Shape;211;p19"/>
+          <p:cNvSpPr/>
+          <p:nvPr/>
+        </p:nvSpPr>
+        <p:spPr>
+          <a:xfrm>
+            <a:off x="1489776" y="1181300"/>
+            <a:ext cx="1814700" cy="271800"/>
+          </a:xfrm>
+          <a:prstGeom prst="rect">
+            <a:avLst/>
+          </a:prstGeom>
+          <a:solidFill>
+            <a:srgbClr val="C9DAF8"/>
+          </a:solidFill>
+          <a:ln cap="flat" cmpd="sng" w="9525">
+            <a:solidFill>
+              <a:schemeClr val="dk2"/>
+            </a:solidFill>
+            <a:prstDash val="solid"/>
+            <a:round/>
+            <a:headEnd len="sm" w="sm" type="none"/>
+            <a:tailEnd len="sm" w="sm" type="none"/>
+          </a:ln>
+        </p:spPr>
+        <p:txBody>
+          <a:bodyPr anchorCtr="0" anchor="ctr" bIns="91425" lIns="91425" spcFirstLastPara="1" rIns="91425" wrap="square" tIns="91425">
+            <a:noAutofit/>
+          </a:bodyPr>
+          <a:lstStyle/>
+          <a:p>
+            <a:pPr indent="0" lvl="0" marL="0" rtl="0" algn="ctr">
+              <a:spcBef>
+                <a:spcPts val="0"/>
+              </a:spcBef>
+              <a:spcAft>
+                <a:spcPts val="0"/>
+              </a:spcAft>
+              <a:buNone/>
+            </a:pPr>
+            <a:r>
+              <a:rPr lang="es" sz="1100"/>
+              <a:t>Health Condition</a:t>
+            </a:r>
+            <a:endParaRPr sz="1100"/>
+          </a:p>
+        </p:txBody>
+      </p:sp>
+      <p:sp>
+        <p:nvSpPr>
+          <p:cNvPr id="212" name="Google Shape;212;p19"/>
+          <p:cNvSpPr/>
+          <p:nvPr/>
+        </p:nvSpPr>
+        <p:spPr>
+          <a:xfrm>
+            <a:off x="1068050" y="3906800"/>
+            <a:ext cx="262200" cy="121800"/>
+          </a:xfrm>
+          <a:prstGeom prst="rect">
+            <a:avLst/>
+          </a:prstGeom>
+          <a:solidFill>
+            <a:srgbClr val="F4CCCC"/>
+          </a:solidFill>
+          <a:ln cap="flat" cmpd="sng" w="9525">
+            <a:solidFill>
+              <a:schemeClr val="dk2"/>
+            </a:solidFill>
+            <a:prstDash val="solid"/>
+            <a:round/>
+            <a:headEnd len="sm" w="sm" type="none"/>
+            <a:tailEnd len="sm" w="sm" type="none"/>
+          </a:ln>
+        </p:spPr>
+        <p:txBody>
+          <a:bodyPr anchorCtr="0" anchor="ctr" bIns="91425" lIns="91425" spcFirstLastPara="1" rIns="91425" wrap="square" tIns="91425">
+            <a:noAutofit/>
+          </a:bodyPr>
+          <a:lstStyle/>
+          <a:p>
+            <a:pPr indent="0" lvl="0" marL="0" rtl="0" algn="l">
+              <a:spcBef>
+                <a:spcPts val="0"/>
+              </a:spcBef>
+              <a:spcAft>
+                <a:spcPts val="0"/>
+              </a:spcAft>
+              <a:buNone/>
+            </a:pPr>
+            <a:r>
+              <a:t/>
+            </a:r>
+            <a:endParaRPr/>
+          </a:p>
+        </p:txBody>
+      </p:sp>
+      <p:sp>
+        <p:nvSpPr>
+          <p:cNvPr id="213" name="Google Shape;213;p19"/>
+          <p:cNvSpPr txBox="1"/>
+          <p:nvPr/>
+        </p:nvSpPr>
+        <p:spPr>
+          <a:xfrm>
+            <a:off x="1299775" y="3791875"/>
+            <a:ext cx="2923200" cy="354000"/>
+          </a:xfrm>
+          <a:prstGeom prst="rect">
+            <a:avLst/>
+          </a:prstGeom>
+          <a:noFill/>
+          <a:ln>
+            <a:noFill/>
+          </a:ln>
+        </p:spPr>
+        <p:txBody>
+          <a:bodyPr anchorCtr="0" anchor="t" bIns="91425" lIns="91425" spcFirstLastPara="1" rIns="91425" wrap="square" tIns="91425">
+            <a:spAutoFit/>
+          </a:bodyPr>
+          <a:lstStyle/>
+          <a:p>
+            <a:pPr indent="0" lvl="0" marL="0" rtl="0" algn="l">
+              <a:spcBef>
+                <a:spcPts val="0"/>
+              </a:spcBef>
+              <a:spcAft>
+                <a:spcPts val="0"/>
+              </a:spcAft>
+              <a:buNone/>
+            </a:pPr>
+            <a:r>
+              <a:rPr lang="es" sz="1100">
+                <a:solidFill>
+                  <a:schemeClr val="lt1"/>
+                </a:solidFill>
+                <a:latin typeface="Lato"/>
+                <a:ea typeface="Lato"/>
+                <a:cs typeface="Lato"/>
+                <a:sym typeface="Lato"/>
+              </a:rPr>
+              <a:t>Strong variation vs. original</a:t>
+            </a:r>
+            <a:endParaRPr sz="1100">
+              <a:solidFill>
+                <a:schemeClr val="lt1"/>
+              </a:solidFill>
+              <a:latin typeface="Lato"/>
+              <a:ea typeface="Lato"/>
+              <a:cs typeface="Lato"/>
+              <a:sym typeface="Lato"/>
+            </a:endParaRPr>
+          </a:p>
+        </p:txBody>
+      </p:sp>
+      <p:sp>
+        <p:nvSpPr>
+          <p:cNvPr id="214" name="Google Shape;214;p19"/>
+          <p:cNvSpPr/>
+          <p:nvPr/>
+        </p:nvSpPr>
+        <p:spPr>
+          <a:xfrm>
+            <a:off x="4268450" y="3906800"/>
+            <a:ext cx="262200" cy="121800"/>
+          </a:xfrm>
+          <a:prstGeom prst="rect">
+            <a:avLst/>
+          </a:prstGeom>
+          <a:solidFill>
+            <a:srgbClr val="1155CC"/>
+          </a:solidFill>
+          <a:ln cap="flat" cmpd="sng" w="9525">
+            <a:solidFill>
+              <a:schemeClr val="dk2"/>
+            </a:solidFill>
+            <a:prstDash val="solid"/>
+            <a:round/>
+            <a:headEnd len="sm" w="sm" type="none"/>
+            <a:tailEnd len="sm" w="sm" type="none"/>
+          </a:ln>
+        </p:spPr>
+        <p:txBody>
+          <a:bodyPr anchorCtr="0" anchor="ctr" bIns="91425" lIns="91425" spcFirstLastPara="1" rIns="91425" wrap="square" tIns="91425">
+            <a:noAutofit/>
+          </a:bodyPr>
+          <a:lstStyle/>
+          <a:p>
+            <a:pPr indent="0" lvl="0" marL="0" rtl="0" algn="l">
+              <a:spcBef>
+                <a:spcPts val="0"/>
+              </a:spcBef>
+              <a:spcAft>
+                <a:spcPts val="0"/>
+              </a:spcAft>
+              <a:buNone/>
+            </a:pPr>
+            <a:r>
+              <a:t/>
+            </a:r>
+            <a:endParaRPr/>
+          </a:p>
+        </p:txBody>
+      </p:sp>
+      <p:sp>
+        <p:nvSpPr>
+          <p:cNvPr id="215" name="Google Shape;215;p19"/>
+          <p:cNvSpPr txBox="1"/>
+          <p:nvPr/>
+        </p:nvSpPr>
+        <p:spPr>
+          <a:xfrm>
+            <a:off x="4500175" y="3791875"/>
+            <a:ext cx="2923200" cy="354000"/>
+          </a:xfrm>
+          <a:prstGeom prst="rect">
+            <a:avLst/>
+          </a:prstGeom>
+          <a:noFill/>
+          <a:ln>
+            <a:noFill/>
+          </a:ln>
+        </p:spPr>
+        <p:txBody>
+          <a:bodyPr anchorCtr="0" anchor="t" bIns="91425" lIns="91425" spcFirstLastPara="1" rIns="91425" wrap="square" tIns="91425">
+            <a:spAutoFit/>
+          </a:bodyPr>
+          <a:lstStyle/>
+          <a:p>
+            <a:pPr indent="0" lvl="0" marL="0" rtl="0" algn="l">
+              <a:spcBef>
+                <a:spcPts val="0"/>
+              </a:spcBef>
+              <a:spcAft>
+                <a:spcPts val="0"/>
+              </a:spcAft>
+              <a:buNone/>
+            </a:pPr>
+            <a:r>
+              <a:rPr lang="es" sz="1100">
+                <a:solidFill>
+                  <a:schemeClr val="lt1"/>
+                </a:solidFill>
+                <a:latin typeface="Lato"/>
+                <a:ea typeface="Lato"/>
+                <a:cs typeface="Lato"/>
+                <a:sym typeface="Lato"/>
+              </a:rPr>
+              <a:t>Some variation vs. original</a:t>
+            </a:r>
+            <a:endParaRPr sz="1100">
+              <a:solidFill>
+                <a:schemeClr val="lt1"/>
+              </a:solidFill>
+              <a:latin typeface="Lato"/>
+              <a:ea typeface="Lato"/>
+              <a:cs typeface="Lato"/>
+              <a:sym typeface="Lato"/>
+            </a:endParaRPr>
+          </a:p>
+        </p:txBody>
+      </p:sp>
     </p:spTree>
   </p:cSld>
   <p:clrMapOvr>
@@ -20527,7 +20912,7 @@
   <p:cSld>
     <p:spTree>
       <p:nvGrpSpPr>
-        <p:cNvPr id="216" name="Shape 216"/>
+        <p:cNvPr id="219" name="Shape 219"/>
         <p:cNvGrpSpPr/>
         <p:nvPr/>
       </p:nvGrpSpPr>
@@ -20541,7 +20926,7 @@
       </p:grpSpPr>
       <p:sp>
         <p:nvSpPr>
-          <p:cNvPr id="217" name="Google Shape;217;p20"/>
+          <p:cNvPr id="220" name="Google Shape;220;p20"/>
           <p:cNvSpPr txBox="1"/>
           <p:nvPr>
             <p:ph type="title"/>
@@ -20584,7 +20969,7 @@
       </p:sp>
       <p:pic>
         <p:nvPicPr>
-          <p:cNvPr id="218" name="Google Shape;218;p20"/>
+          <p:cNvPr id="221" name="Google Shape;221;p20"/>
           <p:cNvPicPr preferRelativeResize="0"/>
           <p:nvPr/>
         </p:nvPicPr>
@@ -20612,7 +20997,7 @@
       </p:pic>
       <p:sp>
         <p:nvSpPr>
-          <p:cNvPr id="219" name="Google Shape;219;p20"/>
+          <p:cNvPr id="222" name="Google Shape;222;p20"/>
           <p:cNvSpPr txBox="1"/>
           <p:nvPr/>
         </p:nvSpPr>
@@ -20797,7 +21182,7 @@
   <p:cSld>
     <p:spTree>
       <p:nvGrpSpPr>
-        <p:cNvPr id="223" name="Shape 223"/>
+        <p:cNvPr id="226" name="Shape 226"/>
         <p:cNvGrpSpPr/>
         <p:nvPr/>
       </p:nvGrpSpPr>
@@ -20811,7 +21196,7 @@
       </p:grpSpPr>
       <p:sp>
         <p:nvSpPr>
-          <p:cNvPr id="224" name="Google Shape;224;p21"/>
+          <p:cNvPr id="227" name="Google Shape;227;p21"/>
           <p:cNvSpPr txBox="1"/>
           <p:nvPr>
             <p:ph type="title"/>
@@ -20859,7 +21244,7 @@
       </p:sp>
       <p:pic>
         <p:nvPicPr>
-          <p:cNvPr id="225" name="Google Shape;225;p21"/>
+          <p:cNvPr id="228" name="Google Shape;228;p21"/>
           <p:cNvPicPr preferRelativeResize="0"/>
           <p:nvPr/>
         </p:nvPicPr>
@@ -20887,7 +21272,7 @@
       </p:pic>
       <p:sp>
         <p:nvSpPr>
-          <p:cNvPr id="226" name="Google Shape;226;p21"/>
+          <p:cNvPr id="229" name="Google Shape;229;p21"/>
           <p:cNvSpPr txBox="1"/>
           <p:nvPr/>
         </p:nvSpPr>
@@ -20999,6 +21384,285 @@
 </file>
 
 <file path=ppt/theme/theme1.xml><?xml version="1.0" encoding="utf-8"?>
+<a:theme xmlns:a="http://schemas.openxmlformats.org/drawingml/2006/main" xmlns:r="http://schemas.openxmlformats.org/officeDocument/2006/relationships" name="Focus">
+  <a:themeElements>
+    <a:clrScheme name="Focus">
+      <a:dk1>
+        <a:srgbClr val="1B212C"/>
+      </a:dk1>
+      <a:lt1>
+        <a:srgbClr val="FFFFFF"/>
+      </a:lt1>
+      <a:dk2>
+        <a:srgbClr val="D9D9D9"/>
+      </a:dk2>
+      <a:lt2>
+        <a:srgbClr val="82C7A5"/>
+      </a:lt2>
+      <a:accent1>
+        <a:srgbClr val="0145AC"/>
+      </a:accent1>
+      <a:accent2>
+        <a:srgbClr val="EECE1A"/>
+      </a:accent2>
+      <a:accent3>
+        <a:srgbClr val="4E5567"/>
+      </a:accent3>
+      <a:accent4>
+        <a:srgbClr val="F4D6AD"/>
+      </a:accent4>
+      <a:accent5>
+        <a:srgbClr val="7890CD"/>
+      </a:accent5>
+      <a:accent6>
+        <a:srgbClr val="F15E22"/>
+      </a:accent6>
+      <a:hlink>
+        <a:srgbClr val="7890CD"/>
+      </a:hlink>
+      <a:folHlink>
+        <a:srgbClr val="7890CD"/>
+      </a:folHlink>
+    </a:clrScheme>
+    <a:fontScheme name="Office">
+      <a:majorFont>
+        <a:latin typeface="Arial"/>
+        <a:ea typeface=""/>
+        <a:cs typeface=""/>
+        <a:font script="Jpan" typeface="ＭＳ Ｐゴシック"/>
+        <a:font script="Hang" typeface="맑은 고딕"/>
+        <a:font script="Hans" typeface="宋体"/>
+        <a:font script="Hant" typeface="新細明體"/>
+        <a:font script="Arab" typeface="Times New Roman"/>
+        <a:font script="Hebr" typeface="Times New Roman"/>
+        <a:font script="Thai" typeface="Angsana New"/>
+        <a:font script="Ethi" typeface="Nyala"/>
+        <a:font script="Beng" typeface="Vrinda"/>
+        <a:font script="Gujr" typeface="Shruti"/>
+        <a:font script="Khmr" typeface="MoolBoran"/>
+        <a:font script="Knda" typeface="Tunga"/>
+        <a:font script="Guru" typeface="Raavi"/>
+        <a:font script="Cans" typeface="Euphemia"/>
+        <a:font script="Cher" typeface="Plantagenet Cherokee"/>
+        <a:font script="Yiii" typeface="Microsoft Yi Baiti"/>
+        <a:font script="Tibt" typeface="Microsoft Himalaya"/>
+        <a:font script="Thaa" typeface="MV Boli"/>
+        <a:font script="Deva" typeface="Mangal"/>
+        <a:font script="Telu" typeface="Gautami"/>
+        <a:font script="Taml" typeface="Latha"/>
+        <a:font script="Syrc" typeface="Estrangelo Edessa"/>
+        <a:font script="Orya" typeface="Kalinga"/>
+        <a:font script="Mlym" typeface="Kartika"/>
+        <a:font script="Laoo" typeface="DokChampa"/>
+        <a:font script="Sinh" typeface="Iskoola Pota"/>
+        <a:font script="Mong" typeface="Mongolian Baiti"/>
+        <a:font script="Viet" typeface="Times New Roman"/>
+        <a:font script="Uigh" typeface="Microsoft Uighur"/>
+        <a:font script="Geor" typeface="Sylfaen"/>
+      </a:majorFont>
+      <a:minorFont>
+        <a:latin typeface="Arial"/>
+        <a:ea typeface=""/>
+        <a:cs typeface=""/>
+        <a:font script="Jpan" typeface="ＭＳ Ｐゴシック"/>
+        <a:font script="Hang" typeface="맑은 고딕"/>
+        <a:font script="Hans" typeface="宋体"/>
+        <a:font script="Hant" typeface="新細明體"/>
+        <a:font script="Arab" typeface="Arial"/>
+        <a:font script="Hebr" typeface="Arial"/>
+        <a:font script="Thai" typeface="Cordia New"/>
+        <a:font script="Ethi" typeface="Nyala"/>
+        <a:font script="Beng" typeface="Vrinda"/>
+        <a:font script="Gujr" typeface="Shruti"/>
+        <a:font script="Khmr" typeface="DaunPenh"/>
+        <a:font script="Knda" typeface="Tunga"/>
+        <a:font script="Guru" typeface="Raavi"/>
+        <a:font script="Cans" typeface="Euphemia"/>
+        <a:font script="Cher" typeface="Plantagenet Cherokee"/>
+        <a:font script="Yiii" typeface="Microsoft Yi Baiti"/>
+        <a:font script="Tibt" typeface="Microsoft Himalaya"/>
+        <a:font script="Thaa" typeface="MV Boli"/>
+        <a:font script="Deva" typeface="Mangal"/>
+        <a:font script="Telu" typeface="Gautami"/>
+        <a:font script="Taml" typeface="Latha"/>
+        <a:font script="Syrc" typeface="Estrangelo Edessa"/>
+        <a:font script="Orya" typeface="Kalinga"/>
+        <a:font script="Mlym" typeface="Kartika"/>
+        <a:font script="Laoo" typeface="DokChampa"/>
+        <a:font script="Sinh" typeface="Iskoola Pota"/>
+        <a:font script="Mong" typeface="Mongolian Baiti"/>
+        <a:font script="Viet" typeface="Arial"/>
+        <a:font script="Uigh" typeface="Microsoft Uighur"/>
+        <a:font script="Geor" typeface="Sylfaen"/>
+      </a:minorFont>
+    </a:fontScheme>
+    <a:fmtScheme name="Office">
+      <a:fillStyleLst>
+        <a:solidFill>
+          <a:schemeClr val="phClr"/>
+        </a:solidFill>
+        <a:gradFill rotWithShape="1">
+          <a:gsLst>
+            <a:gs pos="0">
+              <a:schemeClr val="phClr">
+                <a:tint val="50000"/>
+                <a:satMod val="300000"/>
+              </a:schemeClr>
+            </a:gs>
+            <a:gs pos="35000">
+              <a:schemeClr val="phClr">
+                <a:tint val="37000"/>
+                <a:satMod val="300000"/>
+              </a:schemeClr>
+            </a:gs>
+            <a:gs pos="100000">
+              <a:schemeClr val="phClr">
+                <a:tint val="15000"/>
+                <a:satMod val="350000"/>
+              </a:schemeClr>
+            </a:gs>
+          </a:gsLst>
+          <a:lin ang="16200000" scaled="1"/>
+        </a:gradFill>
+        <a:gradFill rotWithShape="1">
+          <a:gsLst>
+            <a:gs pos="0">
+              <a:schemeClr val="phClr">
+                <a:tint val="100000"/>
+                <a:shade val="100000"/>
+                <a:satMod val="130000"/>
+              </a:schemeClr>
+            </a:gs>
+            <a:gs pos="100000">
+              <a:schemeClr val="phClr">
+                <a:tint val="50000"/>
+                <a:shade val="100000"/>
+                <a:satMod val="350000"/>
+              </a:schemeClr>
+            </a:gs>
+          </a:gsLst>
+          <a:lin ang="16200000" scaled="0"/>
+        </a:gradFill>
+      </a:fillStyleLst>
+      <a:lnStyleLst>
+        <a:ln w="9525" cap="flat" cmpd="sng" algn="ctr">
+          <a:solidFill>
+            <a:schemeClr val="phClr">
+              <a:shade val="95000"/>
+              <a:satMod val="105000"/>
+            </a:schemeClr>
+          </a:solidFill>
+          <a:prstDash val="solid"/>
+        </a:ln>
+        <a:ln w="25400" cap="flat" cmpd="sng" algn="ctr">
+          <a:solidFill>
+            <a:schemeClr val="phClr"/>
+          </a:solidFill>
+          <a:prstDash val="solid"/>
+        </a:ln>
+        <a:ln w="38100" cap="flat" cmpd="sng" algn="ctr">
+          <a:solidFill>
+            <a:schemeClr val="phClr"/>
+          </a:solidFill>
+          <a:prstDash val="solid"/>
+        </a:ln>
+      </a:lnStyleLst>
+      <a:effectStyleLst>
+        <a:effectStyle>
+          <a:effectLst>
+            <a:outerShdw blurRad="40000" dist="20000" dir="5400000" rotWithShape="0">
+              <a:srgbClr val="000000">
+                <a:alpha val="38000"/>
+              </a:srgbClr>
+            </a:outerShdw>
+          </a:effectLst>
+        </a:effectStyle>
+        <a:effectStyle>
+          <a:effectLst>
+            <a:outerShdw blurRad="40000" dist="23000" dir="5400000" rotWithShape="0">
+              <a:srgbClr val="000000">
+                <a:alpha val="35000"/>
+              </a:srgbClr>
+            </a:outerShdw>
+          </a:effectLst>
+        </a:effectStyle>
+        <a:effectStyle>
+          <a:effectLst>
+            <a:outerShdw blurRad="40000" dist="23000" dir="5400000" rotWithShape="0">
+              <a:srgbClr val="000000">
+                <a:alpha val="35000"/>
+              </a:srgbClr>
+            </a:outerShdw>
+          </a:effectLst>
+          <a:scene3d>
+            <a:camera prst="orthographicFront">
+              <a:rot lat="0" lon="0" rev="0"/>
+            </a:camera>
+            <a:lightRig rig="threePt" dir="t">
+              <a:rot lat="0" lon="0" rev="1200000"/>
+            </a:lightRig>
+          </a:scene3d>
+          <a:sp3d>
+            <a:bevelT w="63500" h="25400"/>
+          </a:sp3d>
+        </a:effectStyle>
+      </a:effectStyleLst>
+      <a:bgFillStyleLst>
+        <a:solidFill>
+          <a:schemeClr val="phClr"/>
+        </a:solidFill>
+        <a:gradFill rotWithShape="1">
+          <a:gsLst>
+            <a:gs pos="0">
+              <a:schemeClr val="phClr">
+                <a:tint val="40000"/>
+                <a:satMod val="350000"/>
+              </a:schemeClr>
+            </a:gs>
+            <a:gs pos="40000">
+              <a:schemeClr val="phClr">
+                <a:tint val="45000"/>
+                <a:shade val="99000"/>
+                <a:satMod val="350000"/>
+              </a:schemeClr>
+            </a:gs>
+            <a:gs pos="100000">
+              <a:schemeClr val="phClr">
+                <a:shade val="20000"/>
+                <a:satMod val="255000"/>
+              </a:schemeClr>
+            </a:gs>
+          </a:gsLst>
+          <a:path path="circle">
+            <a:fillToRect l="50000" t="-80000" r="50000" b="180000"/>
+          </a:path>
+        </a:gradFill>
+        <a:gradFill rotWithShape="1">
+          <a:gsLst>
+            <a:gs pos="0">
+              <a:schemeClr val="phClr">
+                <a:tint val="80000"/>
+                <a:satMod val="300000"/>
+              </a:schemeClr>
+            </a:gs>
+            <a:gs pos="100000">
+              <a:schemeClr val="phClr">
+                <a:shade val="30000"/>
+                <a:satMod val="200000"/>
+              </a:schemeClr>
+            </a:gs>
+          </a:gsLst>
+          <a:path path="circle">
+            <a:fillToRect l="50000" t="50000" r="50000" b="50000"/>
+          </a:path>
+        </a:gradFill>
+      </a:bgFillStyleLst>
+    </a:fmtScheme>
+  </a:themeElements>
+</a:theme>
+</file>
+
+<file path=ppt/theme/theme2.xml><?xml version="1.0" encoding="utf-8"?>
 <a:theme xmlns:a="http://schemas.openxmlformats.org/drawingml/2006/main" xmlns:r="http://schemas.openxmlformats.org/officeDocument/2006/relationships">
   <a:themeElements>
     <a:clrScheme name="Default">
@@ -21275,283 +21939,4 @@
     </a:fmtScheme>
   </a:themeElements>
 </a:theme>
-</file>
-
-<file path=ppt/theme/theme2.xml><?xml version="1.0" encoding="utf-8"?>
-<a:theme xmlns:a="http://schemas.openxmlformats.org/drawingml/2006/main" xmlns:r="http://schemas.openxmlformats.org/officeDocument/2006/relationships" name="Focus">
-  <a:themeElements>
-    <a:clrScheme name="Focus">
-      <a:dk1>
-        <a:srgbClr val="1B212C"/>
-      </a:dk1>
-      <a:lt1>
-        <a:srgbClr val="FFFFFF"/>
-      </a:lt1>
-      <a:dk2>
-        <a:srgbClr val="D9D9D9"/>
-      </a:dk2>
-      <a:lt2>
-        <a:srgbClr val="82C7A5"/>
-      </a:lt2>
-      <a:accent1>
-        <a:srgbClr val="0145AC"/>
-      </a:accent1>
-      <a:accent2>
-        <a:srgbClr val="EECE1A"/>
-      </a:accent2>
-      <a:accent3>
-        <a:srgbClr val="4E5567"/>
-      </a:accent3>
-      <a:accent4>
-        <a:srgbClr val="F4D6AD"/>
-      </a:accent4>
-      <a:accent5>
-        <a:srgbClr val="7890CD"/>
-      </a:accent5>
-      <a:accent6>
-        <a:srgbClr val="F15E22"/>
-      </a:accent6>
-      <a:hlink>
-        <a:srgbClr val="7890CD"/>
-      </a:hlink>
-      <a:folHlink>
-        <a:srgbClr val="7890CD"/>
-      </a:folHlink>
-    </a:clrScheme>
-    <a:fontScheme name="Office">
-      <a:majorFont>
-        <a:latin typeface="Arial"/>
-        <a:ea typeface=""/>
-        <a:cs typeface=""/>
-        <a:font script="Jpan" typeface="ＭＳ Ｐゴシック"/>
-        <a:font script="Hang" typeface="맑은 고딕"/>
-        <a:font script="Hans" typeface="宋体"/>
-        <a:font script="Hant" typeface="新細明體"/>
-        <a:font script="Arab" typeface="Times New Roman"/>
-        <a:font script="Hebr" typeface="Times New Roman"/>
-        <a:font script="Thai" typeface="Angsana New"/>
-        <a:font script="Ethi" typeface="Nyala"/>
-        <a:font script="Beng" typeface="Vrinda"/>
-        <a:font script="Gujr" typeface="Shruti"/>
-        <a:font script="Khmr" typeface="MoolBoran"/>
-        <a:font script="Knda" typeface="Tunga"/>
-        <a:font script="Guru" typeface="Raavi"/>
-        <a:font script="Cans" typeface="Euphemia"/>
-        <a:font script="Cher" typeface="Plantagenet Cherokee"/>
-        <a:font script="Yiii" typeface="Microsoft Yi Baiti"/>
-        <a:font script="Tibt" typeface="Microsoft Himalaya"/>
-        <a:font script="Thaa" typeface="MV Boli"/>
-        <a:font script="Deva" typeface="Mangal"/>
-        <a:font script="Telu" typeface="Gautami"/>
-        <a:font script="Taml" typeface="Latha"/>
-        <a:font script="Syrc" typeface="Estrangelo Edessa"/>
-        <a:font script="Orya" typeface="Kalinga"/>
-        <a:font script="Mlym" typeface="Kartika"/>
-        <a:font script="Laoo" typeface="DokChampa"/>
-        <a:font script="Sinh" typeface="Iskoola Pota"/>
-        <a:font script="Mong" typeface="Mongolian Baiti"/>
-        <a:font script="Viet" typeface="Times New Roman"/>
-        <a:font script="Uigh" typeface="Microsoft Uighur"/>
-        <a:font script="Geor" typeface="Sylfaen"/>
-      </a:majorFont>
-      <a:minorFont>
-        <a:latin typeface="Arial"/>
-        <a:ea typeface=""/>
-        <a:cs typeface=""/>
-        <a:font script="Jpan" typeface="ＭＳ Ｐゴシック"/>
-        <a:font script="Hang" typeface="맑은 고딕"/>
-        <a:font script="Hans" typeface="宋体"/>
-        <a:font script="Hant" typeface="新細明體"/>
-        <a:font script="Arab" typeface="Arial"/>
-        <a:font script="Hebr" typeface="Arial"/>
-        <a:font script="Thai" typeface="Cordia New"/>
-        <a:font script="Ethi" typeface="Nyala"/>
-        <a:font script="Beng" typeface="Vrinda"/>
-        <a:font script="Gujr" typeface="Shruti"/>
-        <a:font script="Khmr" typeface="DaunPenh"/>
-        <a:font script="Knda" typeface="Tunga"/>
-        <a:font script="Guru" typeface="Raavi"/>
-        <a:font script="Cans" typeface="Euphemia"/>
-        <a:font script="Cher" typeface="Plantagenet Cherokee"/>
-        <a:font script="Yiii" typeface="Microsoft Yi Baiti"/>
-        <a:font script="Tibt" typeface="Microsoft Himalaya"/>
-        <a:font script="Thaa" typeface="MV Boli"/>
-        <a:font script="Deva" typeface="Mangal"/>
-        <a:font script="Telu" typeface="Gautami"/>
-        <a:font script="Taml" typeface="Latha"/>
-        <a:font script="Syrc" typeface="Estrangelo Edessa"/>
-        <a:font script="Orya" typeface="Kalinga"/>
-        <a:font script="Mlym" typeface="Kartika"/>
-        <a:font script="Laoo" typeface="DokChampa"/>
-        <a:font script="Sinh" typeface="Iskoola Pota"/>
-        <a:font script="Mong" typeface="Mongolian Baiti"/>
-        <a:font script="Viet" typeface="Arial"/>
-        <a:font script="Uigh" typeface="Microsoft Uighur"/>
-        <a:font script="Geor" typeface="Sylfaen"/>
-      </a:minorFont>
-    </a:fontScheme>
-    <a:fmtScheme name="Office">
-      <a:fillStyleLst>
-        <a:solidFill>
-          <a:schemeClr val="phClr"/>
-        </a:solidFill>
-        <a:gradFill rotWithShape="1">
-          <a:gsLst>
-            <a:gs pos="0">
-              <a:schemeClr val="phClr">
-                <a:tint val="50000"/>
-                <a:satMod val="300000"/>
-              </a:schemeClr>
-            </a:gs>
-            <a:gs pos="35000">
-              <a:schemeClr val="phClr">
-                <a:tint val="37000"/>
-                <a:satMod val="300000"/>
-              </a:schemeClr>
-            </a:gs>
-            <a:gs pos="100000">
-              <a:schemeClr val="phClr">
-                <a:tint val="15000"/>
-                <a:satMod val="350000"/>
-              </a:schemeClr>
-            </a:gs>
-          </a:gsLst>
-          <a:lin ang="16200000" scaled="1"/>
-        </a:gradFill>
-        <a:gradFill rotWithShape="1">
-          <a:gsLst>
-            <a:gs pos="0">
-              <a:schemeClr val="phClr">
-                <a:tint val="100000"/>
-                <a:shade val="100000"/>
-                <a:satMod val="130000"/>
-              </a:schemeClr>
-            </a:gs>
-            <a:gs pos="100000">
-              <a:schemeClr val="phClr">
-                <a:tint val="50000"/>
-                <a:shade val="100000"/>
-                <a:satMod val="350000"/>
-              </a:schemeClr>
-            </a:gs>
-          </a:gsLst>
-          <a:lin ang="16200000" scaled="0"/>
-        </a:gradFill>
-      </a:fillStyleLst>
-      <a:lnStyleLst>
-        <a:ln w="9525" cap="flat" cmpd="sng" algn="ctr">
-          <a:solidFill>
-            <a:schemeClr val="phClr">
-              <a:shade val="95000"/>
-              <a:satMod val="105000"/>
-            </a:schemeClr>
-          </a:solidFill>
-          <a:prstDash val="solid"/>
-        </a:ln>
-        <a:ln w="25400" cap="flat" cmpd="sng" algn="ctr">
-          <a:solidFill>
-            <a:schemeClr val="phClr"/>
-          </a:solidFill>
-          <a:prstDash val="solid"/>
-        </a:ln>
-        <a:ln w="38100" cap="flat" cmpd="sng" algn="ctr">
-          <a:solidFill>
-            <a:schemeClr val="phClr"/>
-          </a:solidFill>
-          <a:prstDash val="solid"/>
-        </a:ln>
-      </a:lnStyleLst>
-      <a:effectStyleLst>
-        <a:effectStyle>
-          <a:effectLst>
-            <a:outerShdw blurRad="40000" dist="20000" dir="5400000" rotWithShape="0">
-              <a:srgbClr val="000000">
-                <a:alpha val="38000"/>
-              </a:srgbClr>
-            </a:outerShdw>
-          </a:effectLst>
-        </a:effectStyle>
-        <a:effectStyle>
-          <a:effectLst>
-            <a:outerShdw blurRad="40000" dist="23000" dir="5400000" rotWithShape="0">
-              <a:srgbClr val="000000">
-                <a:alpha val="35000"/>
-              </a:srgbClr>
-            </a:outerShdw>
-          </a:effectLst>
-        </a:effectStyle>
-        <a:effectStyle>
-          <a:effectLst>
-            <a:outerShdw blurRad="40000" dist="23000" dir="5400000" rotWithShape="0">
-              <a:srgbClr val="000000">
-                <a:alpha val="35000"/>
-              </a:srgbClr>
-            </a:outerShdw>
-          </a:effectLst>
-          <a:scene3d>
-            <a:camera prst="orthographicFront">
-              <a:rot lat="0" lon="0" rev="0"/>
-            </a:camera>
-            <a:lightRig rig="threePt" dir="t">
-              <a:rot lat="0" lon="0" rev="1200000"/>
-            </a:lightRig>
-          </a:scene3d>
-          <a:sp3d>
-            <a:bevelT w="63500" h="25400"/>
-          </a:sp3d>
-        </a:effectStyle>
-      </a:effectStyleLst>
-      <a:bgFillStyleLst>
-        <a:solidFill>
-          <a:schemeClr val="phClr"/>
-        </a:solidFill>
-        <a:gradFill rotWithShape="1">
-          <a:gsLst>
-            <a:gs pos="0">
-              <a:schemeClr val="phClr">
-                <a:tint val="40000"/>
-                <a:satMod val="350000"/>
-              </a:schemeClr>
-            </a:gs>
-            <a:gs pos="40000">
-              <a:schemeClr val="phClr">
-                <a:tint val="45000"/>
-                <a:shade val="99000"/>
-                <a:satMod val="350000"/>
-              </a:schemeClr>
-            </a:gs>
-            <a:gs pos="100000">
-              <a:schemeClr val="phClr">
-                <a:shade val="20000"/>
-                <a:satMod val="255000"/>
-              </a:schemeClr>
-            </a:gs>
-          </a:gsLst>
-          <a:path path="circle">
-            <a:fillToRect l="50000" t="-80000" r="50000" b="180000"/>
-          </a:path>
-        </a:gradFill>
-        <a:gradFill rotWithShape="1">
-          <a:gsLst>
-            <a:gs pos="0">
-              <a:schemeClr val="phClr">
-                <a:tint val="80000"/>
-                <a:satMod val="300000"/>
-              </a:schemeClr>
-            </a:gs>
-            <a:gs pos="100000">
-              <a:schemeClr val="phClr">
-                <a:shade val="30000"/>
-                <a:satMod val="200000"/>
-              </a:schemeClr>
-            </a:gs>
-          </a:gsLst>
-          <a:path path="circle">
-            <a:fillToRect l="50000" t="50000" r="50000" b="50000"/>
-          </a:path>
-        </a:gradFill>
-      </a:bgFillStyleLst>
-    </a:fmtScheme>
-  </a:themeElements>
-</a:theme>
 </file>